--- a/Practica1/memoria/PresentacionEjercicio1.pptx
+++ b/Practica1/memoria/PresentacionEjercicio1.pptx
@@ -5,24 +5,26 @@
     <p:sldMasterId id="2147483648" r:id="rId1"/>
   </p:sldMasterIdLst>
   <p:notesMasterIdLst>
-    <p:notesMasterId r:id="rId17"/>
+    <p:notesMasterId r:id="rId19"/>
   </p:notesMasterIdLst>
   <p:sldIdLst>
     <p:sldId id="256" r:id="rId2"/>
-    <p:sldId id="263" r:id="rId3"/>
-    <p:sldId id="287" r:id="rId4"/>
-    <p:sldId id="288" r:id="rId5"/>
-    <p:sldId id="289" r:id="rId6"/>
-    <p:sldId id="290" r:id="rId7"/>
-    <p:sldId id="302" r:id="rId8"/>
-    <p:sldId id="303" r:id="rId9"/>
-    <p:sldId id="306" r:id="rId10"/>
-    <p:sldId id="305" r:id="rId11"/>
-    <p:sldId id="304" r:id="rId12"/>
-    <p:sldId id="301" r:id="rId13"/>
-    <p:sldId id="300" r:id="rId14"/>
-    <p:sldId id="298" r:id="rId15"/>
-    <p:sldId id="299" r:id="rId16"/>
+    <p:sldId id="307" r:id="rId3"/>
+    <p:sldId id="308" r:id="rId4"/>
+    <p:sldId id="310" r:id="rId5"/>
+    <p:sldId id="311" r:id="rId6"/>
+    <p:sldId id="289" r:id="rId7"/>
+    <p:sldId id="290" r:id="rId8"/>
+    <p:sldId id="302" r:id="rId9"/>
+    <p:sldId id="303" r:id="rId10"/>
+    <p:sldId id="306" r:id="rId11"/>
+    <p:sldId id="305" r:id="rId12"/>
+    <p:sldId id="304" r:id="rId13"/>
+    <p:sldId id="301" r:id="rId14"/>
+    <p:sldId id="300" r:id="rId15"/>
+    <p:sldId id="298" r:id="rId16"/>
+    <p:sldId id="299" r:id="rId17"/>
+    <p:sldId id="309" r:id="rId18"/>
   </p:sldIdLst>
   <p:sldSz cx="12192000" cy="6858000"/>
   <p:notesSz cx="6858000" cy="9144000"/>
@@ -131,9 +133,14 @@
         </p14:section>
         <p14:section name="Introducción" id="{8425A02F-FC86-4335-8E6D-6F52411E4326}">
           <p14:sldIdLst>
-            <p14:sldId id="263"/>
-            <p14:sldId id="287"/>
-            <p14:sldId id="288"/>
+            <p14:sldId id="307"/>
+            <p14:sldId id="308"/>
+          </p14:sldIdLst>
+        </p14:section>
+        <p14:section name="Resultados" id="{96681C79-4D68-446D-981C-2F8B0890557E}">
+          <p14:sldIdLst>
+            <p14:sldId id="310"/>
+            <p14:sldId id="311"/>
           </p14:sldIdLst>
         </p14:section>
         <p14:section name="Contraste Max-of-t" id="{01759E2F-CAB0-47D6-9FB6-DC88CB2A05FC}">
@@ -152,7 +159,9 @@
           </p14:sldIdLst>
         </p14:section>
         <p14:section name="Conclusiones" id="{ADFB06B1-8CC5-4F31-BE58-7841DDD561E2}">
-          <p14:sldIdLst/>
+          <p14:sldIdLst>
+            <p14:sldId id="309"/>
+          </p14:sldIdLst>
         </p14:section>
       </p14:sectionLst>
     </p:ext>
@@ -799,7 +808,7 @@
           <a:p>
             <a:fld id="{BD6AB4B3-977E-4280-8CC7-6B85BBBA4943}" type="slidenum">
               <a:rPr lang="es-ES" smtClean="0"/>
-              <a:t>4</a:t>
+              <a:t>5</a:t>
             </a:fld>
             <a:endParaRPr lang="es-ES"/>
           </a:p>
@@ -808,7 +817,7 @@
     </p:spTree>
     <p:extLst>
       <p:ext uri="{BB962C8B-B14F-4D97-AF65-F5344CB8AC3E}">
-        <p14:creationId xmlns:p14="http://schemas.microsoft.com/office/powerpoint/2010/main" val="278344791"/>
+        <p14:creationId xmlns:p14="http://schemas.microsoft.com/office/powerpoint/2010/main" val="1860769867"/>
       </p:ext>
     </p:extLst>
   </p:cSld>
@@ -883,7 +892,7 @@
           <a:p>
             <a:fld id="{BD6AB4B3-977E-4280-8CC7-6B85BBBA4943}" type="slidenum">
               <a:rPr lang="es-ES" smtClean="0"/>
-              <a:t>6</a:t>
+              <a:t>7</a:t>
             </a:fld>
             <a:endParaRPr lang="es-ES"/>
           </a:p>
@@ -967,7 +976,7 @@
           <a:p>
             <a:fld id="{BD6AB4B3-977E-4280-8CC7-6B85BBBA4943}" type="slidenum">
               <a:rPr lang="es-ES" smtClean="0"/>
-              <a:t>7</a:t>
+              <a:t>8</a:t>
             </a:fld>
             <a:endParaRPr lang="es-ES"/>
           </a:p>
@@ -1051,7 +1060,7 @@
           <a:p>
             <a:fld id="{BD6AB4B3-977E-4280-8CC7-6B85BBBA4943}" type="slidenum">
               <a:rPr lang="es-ES" smtClean="0"/>
-              <a:t>13</a:t>
+              <a:t>14</a:t>
             </a:fld>
             <a:endParaRPr lang="es-ES"/>
           </a:p>
@@ -1135,7 +1144,7 @@
           <a:p>
             <a:fld id="{BD6AB4B3-977E-4280-8CC7-6B85BBBA4943}" type="slidenum">
               <a:rPr lang="es-ES" smtClean="0"/>
-              <a:t>14</a:t>
+              <a:t>15</a:t>
             </a:fld>
             <a:endParaRPr lang="es-ES"/>
           </a:p>
@@ -1219,7 +1228,7 @@
           <a:p>
             <a:fld id="{BD6AB4B3-977E-4280-8CC7-6B85BBBA4943}" type="slidenum">
               <a:rPr lang="es-ES" smtClean="0"/>
-              <a:t>15</a:t>
+              <a:t>16</a:t>
             </a:fld>
             <a:endParaRPr lang="es-ES"/>
           </a:p>
@@ -1229,6 +1238,90 @@
     <p:extLst>
       <p:ext uri="{BB962C8B-B14F-4D97-AF65-F5344CB8AC3E}">
         <p14:creationId xmlns:p14="http://schemas.microsoft.com/office/powerpoint/2010/main" val="3064303330"/>
+      </p:ext>
+    </p:extLst>
+  </p:cSld>
+  <p:clrMapOvr>
+    <a:masterClrMapping/>
+  </p:clrMapOvr>
+</p:notes>
+</file>
+
+<file path=ppt/notesSlides/notesSlide8.xml><?xml version="1.0" encoding="utf-8"?>
+<p:notes xmlns:a="http://schemas.openxmlformats.org/drawingml/2006/main" xmlns:r="http://schemas.openxmlformats.org/officeDocument/2006/relationships" xmlns:p="http://schemas.openxmlformats.org/presentationml/2006/main">
+  <p:cSld>
+    <p:spTree>
+      <p:nvGrpSpPr>
+        <p:cNvPr id="1" name=""/>
+        <p:cNvGrpSpPr/>
+        <p:nvPr/>
+      </p:nvGrpSpPr>
+      <p:grpSpPr>
+        <a:xfrm>
+          <a:off x="0" y="0"/>
+          <a:ext cx="0" cy="0"/>
+          <a:chOff x="0" y="0"/>
+          <a:chExt cx="0" cy="0"/>
+        </a:xfrm>
+      </p:grpSpPr>
+      <p:sp>
+        <p:nvSpPr>
+          <p:cNvPr id="2" name="Marcador de imagen de diapositiva 1"/>
+          <p:cNvSpPr>
+            <a:spLocks noGrp="1" noRot="1" noChangeAspect="1"/>
+          </p:cNvSpPr>
+          <p:nvPr>
+            <p:ph type="sldImg"/>
+          </p:nvPr>
+        </p:nvSpPr>
+        <p:spPr/>
+      </p:sp>
+      <p:sp>
+        <p:nvSpPr>
+          <p:cNvPr id="3" name="Marcador de notas 2"/>
+          <p:cNvSpPr>
+            <a:spLocks noGrp="1"/>
+          </p:cNvSpPr>
+          <p:nvPr>
+            <p:ph type="body" idx="1"/>
+          </p:nvPr>
+        </p:nvSpPr>
+        <p:spPr/>
+        <p:txBody>
+          <a:bodyPr/>
+          <a:lstStyle/>
+          <a:p>
+            <a:endParaRPr lang="es-ES" dirty="0"/>
+          </a:p>
+        </p:txBody>
+      </p:sp>
+      <p:sp>
+        <p:nvSpPr>
+          <p:cNvPr id="4" name="Marcador de número de diapositiva 3"/>
+          <p:cNvSpPr>
+            <a:spLocks noGrp="1"/>
+          </p:cNvSpPr>
+          <p:nvPr>
+            <p:ph type="sldNum" sz="quarter" idx="5"/>
+          </p:nvPr>
+        </p:nvSpPr>
+        <p:spPr/>
+        <p:txBody>
+          <a:bodyPr/>
+          <a:lstStyle/>
+          <a:p>
+            <a:fld id="{BD6AB4B3-977E-4280-8CC7-6B85BBBA4943}" type="slidenum">
+              <a:rPr lang="es-ES" smtClean="0"/>
+              <a:t>17</a:t>
+            </a:fld>
+            <a:endParaRPr lang="es-ES"/>
+          </a:p>
+        </p:txBody>
+      </p:sp>
+    </p:spTree>
+    <p:extLst>
+      <p:ext uri="{BB962C8B-B14F-4D97-AF65-F5344CB8AC3E}">
+        <p14:creationId xmlns:p14="http://schemas.microsoft.com/office/powerpoint/2010/main" val="1566004237"/>
       </p:ext>
     </p:extLst>
   </p:cSld>
@@ -4711,6 +4804,142 @@
           <p:cNvPr id="2" name="Título 1">
             <a:extLst>
               <a:ext uri="{FF2B5EF4-FFF2-40B4-BE49-F238E27FC236}">
+                <a16:creationId xmlns:a16="http://schemas.microsoft.com/office/drawing/2014/main" id="{EA518FEC-CFFC-4EA8-8C05-0E08F8B39945}"/>
+              </a:ext>
+            </a:extLst>
+          </p:cNvPr>
+          <p:cNvSpPr>
+            <a:spLocks noGrp="1"/>
+          </p:cNvSpPr>
+          <p:nvPr>
+            <p:ph type="title"/>
+          </p:nvPr>
+        </p:nvSpPr>
+        <p:spPr>
+          <a:xfrm>
+            <a:off x="838200" y="2766219"/>
+            <a:ext cx="10515600" cy="1325563"/>
+          </a:xfrm>
+        </p:spPr>
+        <p:txBody>
+          <a:bodyPr/>
+          <a:lstStyle/>
+          <a:p>
+            <a:pPr algn="ctr"/>
+            <a:r>
+              <a:rPr lang="es-ES"/>
+              <a:t>Contraste Birthday Spacings</a:t>
+            </a:r>
+          </a:p>
+        </p:txBody>
+      </p:sp>
+      <p:pic>
+        <p:nvPicPr>
+          <p:cNvPr id="3" name="图片 7">
+            <a:extLst>
+              <a:ext uri="{FF2B5EF4-FFF2-40B4-BE49-F238E27FC236}">
+                <a16:creationId xmlns:a16="http://schemas.microsoft.com/office/drawing/2014/main" id="{0B4C581F-000C-4CA0-82F9-832ED2083BA5}"/>
+              </a:ext>
+            </a:extLst>
+          </p:cNvPr>
+          <p:cNvPicPr>
+            <a:picLocks noChangeAspect="1"/>
+          </p:cNvPicPr>
+          <p:nvPr/>
+        </p:nvPicPr>
+        <p:blipFill>
+          <a:blip r:embed="rId2">
+            <a:extLst>
+              <a:ext uri="{28A0092B-C50C-407E-A947-70E740481C1C}">
+                <a14:useLocalDpi xmlns:a14="http://schemas.microsoft.com/office/drawing/2010/main" val="0"/>
+              </a:ext>
+            </a:extLst>
+          </a:blip>
+          <a:stretch>
+            <a:fillRect/>
+          </a:stretch>
+        </p:blipFill>
+        <p:spPr>
+          <a:xfrm>
+            <a:off x="188594" y="5488341"/>
+            <a:ext cx="2969765" cy="1378948"/>
+          </a:xfrm>
+          <a:prstGeom prst="rect">
+            <a:avLst/>
+          </a:prstGeom>
+        </p:spPr>
+      </p:pic>
+      <p:pic>
+        <p:nvPicPr>
+          <p:cNvPr id="4" name="图片 10">
+            <a:extLst>
+              <a:ext uri="{FF2B5EF4-FFF2-40B4-BE49-F238E27FC236}">
+                <a16:creationId xmlns:a16="http://schemas.microsoft.com/office/drawing/2014/main" id="{642087F2-E43F-42AF-A0B8-65F7A92E7E8A}"/>
+              </a:ext>
+            </a:extLst>
+          </p:cNvPr>
+          <p:cNvPicPr>
+            <a:picLocks noChangeAspect="1"/>
+          </p:cNvPicPr>
+          <p:nvPr/>
+        </p:nvPicPr>
+        <p:blipFill>
+          <a:blip r:embed="rId3">
+            <a:extLst>
+              <a:ext uri="{28A0092B-C50C-407E-A947-70E740481C1C}">
+                <a14:useLocalDpi xmlns:a14="http://schemas.microsoft.com/office/drawing/2010/main" val="0"/>
+              </a:ext>
+            </a:extLst>
+          </a:blip>
+          <a:stretch>
+            <a:fillRect/>
+          </a:stretch>
+        </p:blipFill>
+        <p:spPr>
+          <a:xfrm>
+            <a:off x="9657275" y="5488340"/>
+            <a:ext cx="2231136" cy="1229703"/>
+          </a:xfrm>
+          <a:prstGeom prst="rect">
+            <a:avLst/>
+          </a:prstGeom>
+        </p:spPr>
+      </p:pic>
+    </p:spTree>
+    <p:extLst>
+      <p:ext uri="{BB962C8B-B14F-4D97-AF65-F5344CB8AC3E}">
+        <p14:creationId xmlns:p14="http://schemas.microsoft.com/office/powerpoint/2010/main" val="668331109"/>
+      </p:ext>
+    </p:extLst>
+  </p:cSld>
+  <p:clrMapOvr>
+    <a:masterClrMapping/>
+  </p:clrMapOvr>
+</p:sld>
+</file>
+
+<file path=ppt/slides/slide11.xml><?xml version="1.0" encoding="utf-8"?>
+<p:sld xmlns:a="http://schemas.openxmlformats.org/drawingml/2006/main" xmlns:r="http://schemas.openxmlformats.org/officeDocument/2006/relationships" xmlns:p="http://schemas.openxmlformats.org/presentationml/2006/main">
+  <p:cSld>
+    <p:spTree>
+      <p:nvGrpSpPr>
+        <p:cNvPr id="1" name=""/>
+        <p:cNvGrpSpPr/>
+        <p:nvPr/>
+      </p:nvGrpSpPr>
+      <p:grpSpPr>
+        <a:xfrm>
+          <a:off x="0" y="0"/>
+          <a:ext cx="0" cy="0"/>
+          <a:chOff x="0" y="0"/>
+          <a:chExt cx="0" cy="0"/>
+        </a:xfrm>
+      </p:grpSpPr>
+      <p:sp>
+        <p:nvSpPr>
+          <p:cNvPr id="2" name="Título 1">
+            <a:extLst>
+              <a:ext uri="{FF2B5EF4-FFF2-40B4-BE49-F238E27FC236}">
                 <a16:creationId xmlns:a16="http://schemas.microsoft.com/office/drawing/2014/main" id="{5BFF7894-5FA9-4475-9723-57499D8CF28C}"/>
               </a:ext>
             </a:extLst>
@@ -4773,8 +5002,8 @@
           </a:p>
         </p:txBody>
       </p:sp>
-      <mc:AlternateContent xmlns:mc="http://schemas.openxmlformats.org/markup-compatibility/2006">
-        <mc:Choice xmlns:a14="http://schemas.microsoft.com/office/drawing/2010/main" Requires="a14">
+      <mc:AlternateContent xmlns:mc="http://schemas.openxmlformats.org/markup-compatibility/2006" xmlns:a14="http://schemas.microsoft.com/office/drawing/2010/main">
+        <mc:Choice Requires="a14">
           <p:sp>
             <p:nvSpPr>
               <p:cNvPr id="3" name="Marcador de contenido 2">
@@ -4943,7 +5172,7 @@
             </p:txBody>
           </p:sp>
         </mc:Choice>
-        <mc:Fallback>
+        <mc:Fallback xmlns="">
           <p:sp>
             <p:nvSpPr>
               <p:cNvPr id="3" name="Marcador de contenido 2">
@@ -5030,6 +5259,142 @@
           </a:p>
         </p:txBody>
       </p:sp>
+      <p:sp>
+        <p:nvSpPr>
+          <p:cNvPr id="6" name="Marcador de número de diapositiva 8">
+            <a:extLst>
+              <a:ext uri="{FF2B5EF4-FFF2-40B4-BE49-F238E27FC236}">
+                <a16:creationId xmlns:a16="http://schemas.microsoft.com/office/drawing/2014/main" id="{112C2BE1-0DBD-4360-9BC7-D309672ED090}"/>
+              </a:ext>
+            </a:extLst>
+          </p:cNvPr>
+          <p:cNvSpPr txBox="1">
+            <a:spLocks/>
+          </p:cNvSpPr>
+          <p:nvPr/>
+        </p:nvSpPr>
+        <p:spPr>
+          <a:xfrm>
+            <a:off x="9402148" y="6444474"/>
+            <a:ext cx="2743200" cy="365125"/>
+          </a:xfrm>
+          <a:prstGeom prst="rect">
+            <a:avLst/>
+          </a:prstGeom>
+        </p:spPr>
+        <p:txBody>
+          <a:bodyPr vert="horz" lIns="91440" tIns="45720" rIns="91440" bIns="45720" rtlCol="0" anchor="ctr"/>
+          <a:lstStyle>
+            <a:defPPr>
+              <a:defRPr lang="es-ES"/>
+            </a:defPPr>
+            <a:lvl1pPr marL="0" algn="r" defTabSz="914400" rtl="0" eaLnBrk="1" latinLnBrk="0" hangingPunct="1">
+              <a:defRPr sz="1200" kern="1200">
+                <a:solidFill>
+                  <a:schemeClr val="tx1">
+                    <a:tint val="75000"/>
+                  </a:schemeClr>
+                </a:solidFill>
+                <a:latin typeface="+mn-lt"/>
+                <a:ea typeface="+mn-ea"/>
+                <a:cs typeface="+mn-cs"/>
+              </a:defRPr>
+            </a:lvl1pPr>
+            <a:lvl2pPr marL="457200" algn="l" defTabSz="914400" rtl="0" eaLnBrk="1" latinLnBrk="0" hangingPunct="1">
+              <a:defRPr sz="1800" kern="1200">
+                <a:solidFill>
+                  <a:schemeClr val="tx1"/>
+                </a:solidFill>
+                <a:latin typeface="+mn-lt"/>
+                <a:ea typeface="+mn-ea"/>
+                <a:cs typeface="+mn-cs"/>
+              </a:defRPr>
+            </a:lvl2pPr>
+            <a:lvl3pPr marL="914400" algn="l" defTabSz="914400" rtl="0" eaLnBrk="1" latinLnBrk="0" hangingPunct="1">
+              <a:defRPr sz="1800" kern="1200">
+                <a:solidFill>
+                  <a:schemeClr val="tx1"/>
+                </a:solidFill>
+                <a:latin typeface="+mn-lt"/>
+                <a:ea typeface="+mn-ea"/>
+                <a:cs typeface="+mn-cs"/>
+              </a:defRPr>
+            </a:lvl3pPr>
+            <a:lvl4pPr marL="1371600" algn="l" defTabSz="914400" rtl="0" eaLnBrk="1" latinLnBrk="0" hangingPunct="1">
+              <a:defRPr sz="1800" kern="1200">
+                <a:solidFill>
+                  <a:schemeClr val="tx1"/>
+                </a:solidFill>
+                <a:latin typeface="+mn-lt"/>
+                <a:ea typeface="+mn-ea"/>
+                <a:cs typeface="+mn-cs"/>
+              </a:defRPr>
+            </a:lvl4pPr>
+            <a:lvl5pPr marL="1828800" algn="l" defTabSz="914400" rtl="0" eaLnBrk="1" latinLnBrk="0" hangingPunct="1">
+              <a:defRPr sz="1800" kern="1200">
+                <a:solidFill>
+                  <a:schemeClr val="tx1"/>
+                </a:solidFill>
+                <a:latin typeface="+mn-lt"/>
+                <a:ea typeface="+mn-ea"/>
+                <a:cs typeface="+mn-cs"/>
+              </a:defRPr>
+            </a:lvl5pPr>
+            <a:lvl6pPr marL="2286000" algn="l" defTabSz="914400" rtl="0" eaLnBrk="1" latinLnBrk="0" hangingPunct="1">
+              <a:defRPr sz="1800" kern="1200">
+                <a:solidFill>
+                  <a:schemeClr val="tx1"/>
+                </a:solidFill>
+                <a:latin typeface="+mn-lt"/>
+                <a:ea typeface="+mn-ea"/>
+                <a:cs typeface="+mn-cs"/>
+              </a:defRPr>
+            </a:lvl6pPr>
+            <a:lvl7pPr marL="2743200" algn="l" defTabSz="914400" rtl="0" eaLnBrk="1" latinLnBrk="0" hangingPunct="1">
+              <a:defRPr sz="1800" kern="1200">
+                <a:solidFill>
+                  <a:schemeClr val="tx1"/>
+                </a:solidFill>
+                <a:latin typeface="+mn-lt"/>
+                <a:ea typeface="+mn-ea"/>
+                <a:cs typeface="+mn-cs"/>
+              </a:defRPr>
+            </a:lvl7pPr>
+            <a:lvl8pPr marL="3200400" algn="l" defTabSz="914400" rtl="0" eaLnBrk="1" latinLnBrk="0" hangingPunct="1">
+              <a:defRPr sz="1800" kern="1200">
+                <a:solidFill>
+                  <a:schemeClr val="tx1"/>
+                </a:solidFill>
+                <a:latin typeface="+mn-lt"/>
+                <a:ea typeface="+mn-ea"/>
+                <a:cs typeface="+mn-cs"/>
+              </a:defRPr>
+            </a:lvl8pPr>
+            <a:lvl9pPr marL="3657600" algn="l" defTabSz="914400" rtl="0" eaLnBrk="1" latinLnBrk="0" hangingPunct="1">
+              <a:defRPr sz="1800" kern="1200">
+                <a:solidFill>
+                  <a:schemeClr val="tx1"/>
+                </a:solidFill>
+                <a:latin typeface="+mn-lt"/>
+                <a:ea typeface="+mn-ea"/>
+                <a:cs typeface="+mn-cs"/>
+              </a:defRPr>
+            </a:lvl9pPr>
+          </a:lstStyle>
+          <a:p>
+            <a:fld id="{034A2469-CE07-4E21-88F9-8436BB41227F}" type="slidenum">
+              <a:rPr lang="es-ES" sz="1800" smtClean="0"/>
+              <a:pPr/>
+              <a:t>11</a:t>
+            </a:fld>
+            <a:r>
+              <a:rPr lang="es-ES" sz="1800" dirty="0"/>
+              <a:t>/17</a:t>
+            </a:r>
+            <a:endParaRPr lang="es-ES" dirty="0"/>
+          </a:p>
+        </p:txBody>
+      </p:sp>
     </p:spTree>
     <p:extLst>
       <p:ext uri="{BB962C8B-B14F-4D97-AF65-F5344CB8AC3E}">
@@ -5043,7 +5408,7 @@
 </p:sld>
 </file>
 
-<file path=ppt/slides/slide11.xml><?xml version="1.0" encoding="utf-8"?>
+<file path=ppt/slides/slide12.xml><?xml version="1.0" encoding="utf-8"?>
 <p:sld xmlns:a="http://schemas.openxmlformats.org/drawingml/2006/main" xmlns:r="http://schemas.openxmlformats.org/officeDocument/2006/relationships" xmlns:p="http://schemas.openxmlformats.org/presentationml/2006/main">
   <p:cSld>
     <p:spTree>
@@ -5285,6 +5650,142 @@
           </a:p>
         </p:txBody>
       </p:sp>
+      <p:sp>
+        <p:nvSpPr>
+          <p:cNvPr id="8" name="Marcador de número de diapositiva 8">
+            <a:extLst>
+              <a:ext uri="{FF2B5EF4-FFF2-40B4-BE49-F238E27FC236}">
+                <a16:creationId xmlns:a16="http://schemas.microsoft.com/office/drawing/2014/main" id="{83825F3F-8AE9-4192-8C48-66B528515944}"/>
+              </a:ext>
+            </a:extLst>
+          </p:cNvPr>
+          <p:cNvSpPr txBox="1">
+            <a:spLocks/>
+          </p:cNvSpPr>
+          <p:nvPr/>
+        </p:nvSpPr>
+        <p:spPr>
+          <a:xfrm>
+            <a:off x="9402148" y="6444474"/>
+            <a:ext cx="2743200" cy="365125"/>
+          </a:xfrm>
+          <a:prstGeom prst="rect">
+            <a:avLst/>
+          </a:prstGeom>
+        </p:spPr>
+        <p:txBody>
+          <a:bodyPr vert="horz" lIns="91440" tIns="45720" rIns="91440" bIns="45720" rtlCol="0" anchor="ctr"/>
+          <a:lstStyle>
+            <a:defPPr>
+              <a:defRPr lang="es-ES"/>
+            </a:defPPr>
+            <a:lvl1pPr marL="0" algn="r" defTabSz="914400" rtl="0" eaLnBrk="1" latinLnBrk="0" hangingPunct="1">
+              <a:defRPr sz="1200" kern="1200">
+                <a:solidFill>
+                  <a:schemeClr val="tx1">
+                    <a:tint val="75000"/>
+                  </a:schemeClr>
+                </a:solidFill>
+                <a:latin typeface="+mn-lt"/>
+                <a:ea typeface="+mn-ea"/>
+                <a:cs typeface="+mn-cs"/>
+              </a:defRPr>
+            </a:lvl1pPr>
+            <a:lvl2pPr marL="457200" algn="l" defTabSz="914400" rtl="0" eaLnBrk="1" latinLnBrk="0" hangingPunct="1">
+              <a:defRPr sz="1800" kern="1200">
+                <a:solidFill>
+                  <a:schemeClr val="tx1"/>
+                </a:solidFill>
+                <a:latin typeface="+mn-lt"/>
+                <a:ea typeface="+mn-ea"/>
+                <a:cs typeface="+mn-cs"/>
+              </a:defRPr>
+            </a:lvl2pPr>
+            <a:lvl3pPr marL="914400" algn="l" defTabSz="914400" rtl="0" eaLnBrk="1" latinLnBrk="0" hangingPunct="1">
+              <a:defRPr sz="1800" kern="1200">
+                <a:solidFill>
+                  <a:schemeClr val="tx1"/>
+                </a:solidFill>
+                <a:latin typeface="+mn-lt"/>
+                <a:ea typeface="+mn-ea"/>
+                <a:cs typeface="+mn-cs"/>
+              </a:defRPr>
+            </a:lvl3pPr>
+            <a:lvl4pPr marL="1371600" algn="l" defTabSz="914400" rtl="0" eaLnBrk="1" latinLnBrk="0" hangingPunct="1">
+              <a:defRPr sz="1800" kern="1200">
+                <a:solidFill>
+                  <a:schemeClr val="tx1"/>
+                </a:solidFill>
+                <a:latin typeface="+mn-lt"/>
+                <a:ea typeface="+mn-ea"/>
+                <a:cs typeface="+mn-cs"/>
+              </a:defRPr>
+            </a:lvl4pPr>
+            <a:lvl5pPr marL="1828800" algn="l" defTabSz="914400" rtl="0" eaLnBrk="1" latinLnBrk="0" hangingPunct="1">
+              <a:defRPr sz="1800" kern="1200">
+                <a:solidFill>
+                  <a:schemeClr val="tx1"/>
+                </a:solidFill>
+                <a:latin typeface="+mn-lt"/>
+                <a:ea typeface="+mn-ea"/>
+                <a:cs typeface="+mn-cs"/>
+              </a:defRPr>
+            </a:lvl5pPr>
+            <a:lvl6pPr marL="2286000" algn="l" defTabSz="914400" rtl="0" eaLnBrk="1" latinLnBrk="0" hangingPunct="1">
+              <a:defRPr sz="1800" kern="1200">
+                <a:solidFill>
+                  <a:schemeClr val="tx1"/>
+                </a:solidFill>
+                <a:latin typeface="+mn-lt"/>
+                <a:ea typeface="+mn-ea"/>
+                <a:cs typeface="+mn-cs"/>
+              </a:defRPr>
+            </a:lvl6pPr>
+            <a:lvl7pPr marL="2743200" algn="l" defTabSz="914400" rtl="0" eaLnBrk="1" latinLnBrk="0" hangingPunct="1">
+              <a:defRPr sz="1800" kern="1200">
+                <a:solidFill>
+                  <a:schemeClr val="tx1"/>
+                </a:solidFill>
+                <a:latin typeface="+mn-lt"/>
+                <a:ea typeface="+mn-ea"/>
+                <a:cs typeface="+mn-cs"/>
+              </a:defRPr>
+            </a:lvl7pPr>
+            <a:lvl8pPr marL="3200400" algn="l" defTabSz="914400" rtl="0" eaLnBrk="1" latinLnBrk="0" hangingPunct="1">
+              <a:defRPr sz="1800" kern="1200">
+                <a:solidFill>
+                  <a:schemeClr val="tx1"/>
+                </a:solidFill>
+                <a:latin typeface="+mn-lt"/>
+                <a:ea typeface="+mn-ea"/>
+                <a:cs typeface="+mn-cs"/>
+              </a:defRPr>
+            </a:lvl8pPr>
+            <a:lvl9pPr marL="3657600" algn="l" defTabSz="914400" rtl="0" eaLnBrk="1" latinLnBrk="0" hangingPunct="1">
+              <a:defRPr sz="1800" kern="1200">
+                <a:solidFill>
+                  <a:schemeClr val="tx1"/>
+                </a:solidFill>
+                <a:latin typeface="+mn-lt"/>
+                <a:ea typeface="+mn-ea"/>
+                <a:cs typeface="+mn-cs"/>
+              </a:defRPr>
+            </a:lvl9pPr>
+          </a:lstStyle>
+          <a:p>
+            <a:fld id="{034A2469-CE07-4E21-88F9-8436BB41227F}" type="slidenum">
+              <a:rPr lang="es-ES" sz="1800" smtClean="0"/>
+              <a:pPr/>
+              <a:t>12</a:t>
+            </a:fld>
+            <a:r>
+              <a:rPr lang="es-ES" sz="1800" dirty="0"/>
+              <a:t>/17</a:t>
+            </a:r>
+            <a:endParaRPr lang="es-ES" dirty="0"/>
+          </a:p>
+        </p:txBody>
+      </p:sp>
     </p:spTree>
     <p:extLst>
       <p:ext uri="{BB962C8B-B14F-4D97-AF65-F5344CB8AC3E}">
@@ -5430,7 +5931,7 @@
 </p:sld>
 </file>
 
-<file path=ppt/slides/slide12.xml><?xml version="1.0" encoding="utf-8"?>
+<file path=ppt/slides/slide13.xml><?xml version="1.0" encoding="utf-8"?>
 <p:sld xmlns:a="http://schemas.openxmlformats.org/drawingml/2006/main" xmlns:r="http://schemas.openxmlformats.org/officeDocument/2006/relationships" xmlns:p="http://schemas.openxmlformats.org/presentationml/2006/main">
   <p:cSld>
     <p:spTree>
@@ -5574,7 +6075,7 @@
 </p:sld>
 </file>
 
-<file path=ppt/slides/slide13.xml><?xml version="1.0" encoding="utf-8"?>
+<file path=ppt/slides/slide14.xml><?xml version="1.0" encoding="utf-8"?>
 <p:sld xmlns:a="http://schemas.openxmlformats.org/drawingml/2006/main" xmlns:r="http://schemas.openxmlformats.org/officeDocument/2006/relationships" xmlns:p="http://schemas.openxmlformats.org/presentationml/2006/main">
   <p:cSld>
     <p:spTree>
@@ -5682,8 +6183,8 @@
           </a:p>
         </p:txBody>
       </p:sp>
-      <mc:AlternateContent xmlns:mc="http://schemas.openxmlformats.org/markup-compatibility/2006" xmlns:a14="http://schemas.microsoft.com/office/drawing/2010/main">
-        <mc:Choice Requires="a14">
+      <mc:AlternateContent xmlns:mc="http://schemas.openxmlformats.org/markup-compatibility/2006">
+        <mc:Choice xmlns:a14="http://schemas.microsoft.com/office/drawing/2010/main" Requires="a14">
           <p:sp>
             <p:nvSpPr>
               <p:cNvPr id="6" name="Marcador de contenido 5">
@@ -5713,7 +6214,7 @@
               <a:lstStyle/>
               <a:p>
                 <a:r>
-                  <a:rPr lang="es-ES">
+                  <a:rPr lang="es-ES" dirty="0">
                     <a:cs typeface="Adobe Arabic" panose="02040503050201020203" pitchFamily="18" charset="-78"/>
                   </a:rPr>
                   <a:t>Dividir la muestra </a:t>
@@ -5730,7 +6231,7 @@
                   </m:oMath>
                 </a14:m>
                 <a:r>
-                  <a:rPr lang="es-ES">
+                  <a:rPr lang="es-ES" dirty="0">
                     <a:cs typeface="Adobe Arabic" panose="02040503050201020203" pitchFamily="18" charset="-78"/>
                   </a:rPr>
                   <a:t> de tamaño </a:t>
@@ -5747,19 +6248,19 @@
                   </m:oMath>
                 </a14:m>
                 <a:r>
-                  <a:rPr lang="es-ES">
+                  <a:rPr lang="es-ES" dirty="0">
                     <a:cs typeface="Adobe Arabic" panose="02040503050201020203" pitchFamily="18" charset="-78"/>
                   </a:rPr>
                   <a:t> en </a:t>
                 </a:r>
                 <a:r>
-                  <a:rPr lang="es-ES" i="1">
+                  <a:rPr lang="es-ES" i="1" dirty="0">
                     <a:cs typeface="Adobe Arabic" panose="02040503050201020203" pitchFamily="18" charset="-78"/>
                   </a:rPr>
                   <a:t>clusters</a:t>
                 </a:r>
                 <a:r>
-                  <a:rPr lang="es-ES">
+                  <a:rPr lang="es-ES" dirty="0">
                     <a:cs typeface="Adobe Arabic" panose="02040503050201020203" pitchFamily="18" charset="-78"/>
                   </a:rPr>
                   <a:t> </a:t>
@@ -5797,7 +6298,7 @@
                   </m:oMath>
                 </a14:m>
                 <a:r>
-                  <a:rPr lang="es-ES">
+                  <a:rPr lang="es-ES" dirty="0">
                     <a:cs typeface="Adobe Arabic" panose="02040503050201020203" pitchFamily="18" charset="-78"/>
                   </a:rPr>
                   <a:t> de tamaño </a:t>
@@ -5814,10 +6315,10 @@
                   </m:oMath>
                 </a14:m>
                 <a:r>
-                  <a:rPr lang="es-ES">
+                  <a:rPr lang="es-ES" dirty="0">
                     <a:cs typeface="Adobe Arabic" panose="02040503050201020203" pitchFamily="18" charset="-78"/>
                   </a:rPr>
-                  <a:t> (“arbitrario”), con </a:t>
+                  <a:t> “arbitrario”, con </a:t>
                 </a:r>
                 <a14:m>
                   <m:oMath xmlns:m="http://schemas.openxmlformats.org/officeDocument/2006/math">
@@ -5873,17 +6374,50 @@
                   </m:oMath>
                 </a14:m>
                 <a:r>
-                  <a:rPr lang="es-ES">
+                  <a:rPr lang="es-ES" dirty="0">
+                    <a:cs typeface="Adobe Arabic" panose="02040503050201020203" pitchFamily="18" charset="-78"/>
+                  </a:rPr>
+                  <a:t>. </a:t>
+                </a:r>
+                <a:r>
+                  <a:rPr lang="es-ES" i="1" dirty="0">
+                    <a:cs typeface="Adobe Arabic" panose="02040503050201020203" pitchFamily="18" charset="-78"/>
+                  </a:rPr>
+                  <a:t>TestU01 usa </a:t>
+                </a:r>
+                <a14:m>
+                  <m:oMath xmlns:m="http://schemas.openxmlformats.org/officeDocument/2006/math">
+                    <m:r>
+                      <a:rPr lang="es-ES" b="0" i="1" smtClean="0">
+                        <a:latin typeface="Cambria Math" panose="02040503050406030204" pitchFamily="18" charset="0"/>
+                        <a:cs typeface="Adobe Arabic" panose="02040503050201020203" pitchFamily="18" charset="-78"/>
+                      </a:rPr>
+                      <m:t>𝑡</m:t>
+                    </m:r>
+                    <m:r>
+                      <a:rPr lang="es-ES" b="0" i="1" smtClean="0">
+                        <a:latin typeface="Cambria Math" panose="02040503050406030204" pitchFamily="18" charset="0"/>
+                        <a:cs typeface="Adobe Arabic" panose="02040503050201020203" pitchFamily="18" charset="-78"/>
+                      </a:rPr>
+                      <m:t>=6</m:t>
+                    </m:r>
+                  </m:oMath>
+                </a14:m>
+                <a:r>
+                  <a:rPr lang="es-ES" i="1" dirty="0">
                     <a:cs typeface="Adobe Arabic" panose="02040503050201020203" pitchFamily="18" charset="-78"/>
                   </a:rPr>
                   <a:t>.</a:t>
                 </a:r>
+                <a:endParaRPr lang="es-ES" dirty="0">
+                  <a:cs typeface="Adobe Arabic" panose="02040503050201020203" pitchFamily="18" charset="-78"/>
+                </a:endParaRPr>
               </a:p>
               <a:p>
                 <a:pPr marL="0" indent="0">
                   <a:buNone/>
                 </a:pPr>
-                <a:endParaRPr lang="es-ES" sz="1700">
+                <a:endParaRPr lang="es-ES" sz="1700" dirty="0">
                   <a:cs typeface="Adobe Arabic" panose="02040503050201020203" pitchFamily="18" charset="-78"/>
                 </a:endParaRPr>
               </a:p>
@@ -6335,13 +6869,13 @@
                     </m:oMath>
                   </m:oMathPara>
                 </a14:m>
-                <a:endParaRPr lang="es-ES">
+                <a:endParaRPr lang="es-ES" dirty="0">
                   <a:cs typeface="Adobe Arabic" panose="02040503050201020203" pitchFamily="18" charset="-78"/>
                 </a:endParaRPr>
               </a:p>
               <a:p>
                 <a:r>
-                  <a:rPr lang="es-ES">
+                  <a:rPr lang="es-ES" dirty="0">
                     <a:cs typeface="Adobe Arabic" panose="02040503050201020203" pitchFamily="18" charset="-78"/>
                   </a:rPr>
                   <a:t>Obtener la muestra </a:t>
@@ -6358,7 +6892,7 @@
                   </m:oMath>
                 </a14:m>
                 <a:r>
-                  <a:rPr lang="es-ES">
+                  <a:rPr lang="es-ES" dirty="0">
                     <a:cs typeface="Adobe Arabic" panose="02040503050201020203" pitchFamily="18" charset="-78"/>
                   </a:rPr>
                   <a:t>, con </a:t>
@@ -6463,7 +6997,7 @@
                     </m:d>
                   </m:oMath>
                 </a14:m>
-                <a:endParaRPr lang="es-ES" b="0">
+                <a:endParaRPr lang="es-ES" b="0" dirty="0">
                   <a:cs typeface="Adobe Arabic" panose="02040503050201020203" pitchFamily="18" charset="-78"/>
                 </a:endParaRPr>
               </a:p>
@@ -6472,7 +7006,7 @@
                   <a:buNone/>
                 </a:pPr>
                 <a:br>
-                  <a:rPr lang="es-ES">
+                  <a:rPr lang="es-ES" dirty="0">
                     <a:cs typeface="Adobe Arabic" panose="02040503050201020203" pitchFamily="18" charset="-78"/>
                   </a:rPr>
                 </a:br>
@@ -6806,7 +7340,7 @@
                     </m:oMath>
                   </m:oMathPara>
                 </a14:m>
-                <a:endParaRPr lang="es-ES" b="0">
+                <a:endParaRPr lang="es-ES" b="0" dirty="0">
                   <a:cs typeface="Adobe Arabic" panose="02040503050201020203" pitchFamily="18" charset="-78"/>
                 </a:endParaRPr>
               </a:p>
@@ -6814,24 +7348,24 @@
                 <a:pPr marL="0" indent="0">
                   <a:buNone/>
                 </a:pPr>
-                <a:endParaRPr lang="es-ES" b="0">
+                <a:endParaRPr lang="es-ES" b="0" dirty="0">
                   <a:cs typeface="Adobe Arabic" panose="02040503050201020203" pitchFamily="18" charset="-78"/>
                 </a:endParaRPr>
               </a:p>
               <a:p>
-                <a:endParaRPr lang="es-ES">
+                <a:endParaRPr lang="es-ES" dirty="0">
                   <a:cs typeface="Adobe Arabic" panose="02040503050201020203" pitchFamily="18" charset="-78"/>
                 </a:endParaRPr>
               </a:p>
               <a:p>
-                <a:endParaRPr lang="es-ES">
+                <a:endParaRPr lang="es-ES" dirty="0">
                   <a:cs typeface="Adobe Arabic" panose="02040503050201020203" pitchFamily="18" charset="-78"/>
                 </a:endParaRPr>
               </a:p>
             </p:txBody>
           </p:sp>
         </mc:Choice>
-        <mc:Fallback xmlns="">
+        <mc:Fallback>
           <p:sp>
             <p:nvSpPr>
               <p:cNvPr id="6" name="Marcador de contenido 5">
@@ -6877,10 +7411,10 @@
       </mc:AlternateContent>
       <p:sp>
         <p:nvSpPr>
-          <p:cNvPr id="8" name="Marcador de número de diapositiva 8">
+          <p:cNvPr id="9" name="Marcador de número de diapositiva 8">
             <a:extLst>
               <a:ext uri="{FF2B5EF4-FFF2-40B4-BE49-F238E27FC236}">
-                <a16:creationId xmlns:a16="http://schemas.microsoft.com/office/drawing/2014/main" id="{4294E73A-FBC9-44CB-8D34-255533F8750C}"/>
+                <a16:creationId xmlns:a16="http://schemas.microsoft.com/office/drawing/2014/main" id="{C4A8BF91-2E23-46EB-8ABE-6EB0AB92190E}"/>
               </a:ext>
             </a:extLst>
           </p:cNvPr>
@@ -7001,13 +7535,13 @@
             <a:fld id="{034A2469-CE07-4E21-88F9-8436BB41227F}" type="slidenum">
               <a:rPr lang="es-ES" sz="1800" smtClean="0"/>
               <a:pPr/>
-              <a:t>13</a:t>
+              <a:t>14</a:t>
             </a:fld>
             <a:r>
-              <a:rPr lang="es-ES" sz="1800"/>
-              <a:t>/16</a:t>
+              <a:rPr lang="es-ES" sz="1800" dirty="0"/>
+              <a:t>/17</a:t>
             </a:r>
-            <a:endParaRPr lang="es-ES"/>
+            <a:endParaRPr lang="es-ES" dirty="0"/>
           </a:p>
         </p:txBody>
       </p:sp>
@@ -7024,7 +7558,7 @@
 </p:sld>
 </file>
 
-<file path=ppt/slides/slide14.xml><?xml version="1.0" encoding="utf-8"?>
+<file path=ppt/slides/slide15.xml><?xml version="1.0" encoding="utf-8"?>
 <p:sld xmlns:a="http://schemas.openxmlformats.org/drawingml/2006/main" xmlns:r="http://schemas.openxmlformats.org/officeDocument/2006/relationships" xmlns:p="http://schemas.openxmlformats.org/presentationml/2006/main">
   <p:cSld>
     <p:spTree>
@@ -8090,7 +8624,7 @@
             <a:fld id="{034A2469-CE07-4E21-88F9-8436BB41227F}" type="slidenum">
               <a:rPr lang="es-ES" sz="1800" smtClean="0"/>
               <a:pPr/>
-              <a:t>14</a:t>
+              <a:t>15</a:t>
             </a:fld>
             <a:r>
               <a:rPr lang="es-ES" sz="1800" dirty="0"/>
@@ -8113,7 +8647,7 @@
 </p:sld>
 </file>
 
-<file path=ppt/slides/slide15.xml><?xml version="1.0" encoding="utf-8"?>
+<file path=ppt/slides/slide16.xml><?xml version="1.0" encoding="utf-8"?>
 <p:sld xmlns:a="http://schemas.openxmlformats.org/drawingml/2006/main" xmlns:r="http://schemas.openxmlformats.org/officeDocument/2006/relationships" xmlns:p="http://schemas.openxmlformats.org/presentationml/2006/main">
   <p:cSld>
     <p:spTree>
@@ -8305,142 +8839,6 @@
           </a:p>
         </p:txBody>
       </p:sp>
-      <p:sp>
-        <p:nvSpPr>
-          <p:cNvPr id="8" name="Marcador de número de diapositiva 8">
-            <a:extLst>
-              <a:ext uri="{FF2B5EF4-FFF2-40B4-BE49-F238E27FC236}">
-                <a16:creationId xmlns:a16="http://schemas.microsoft.com/office/drawing/2014/main" id="{4294E73A-FBC9-44CB-8D34-255533F8750C}"/>
-              </a:ext>
-            </a:extLst>
-          </p:cNvPr>
-          <p:cNvSpPr txBox="1">
-            <a:spLocks/>
-          </p:cNvSpPr>
-          <p:nvPr/>
-        </p:nvSpPr>
-        <p:spPr>
-          <a:xfrm>
-            <a:off x="9402148" y="6444474"/>
-            <a:ext cx="2743200" cy="365125"/>
-          </a:xfrm>
-          <a:prstGeom prst="rect">
-            <a:avLst/>
-          </a:prstGeom>
-        </p:spPr>
-        <p:txBody>
-          <a:bodyPr vert="horz" lIns="91440" tIns="45720" rIns="91440" bIns="45720" rtlCol="0" anchor="ctr"/>
-          <a:lstStyle>
-            <a:defPPr>
-              <a:defRPr lang="es-ES"/>
-            </a:defPPr>
-            <a:lvl1pPr marL="0" algn="r" defTabSz="914400" rtl="0" eaLnBrk="1" latinLnBrk="0" hangingPunct="1">
-              <a:defRPr sz="1200" kern="1200">
-                <a:solidFill>
-                  <a:schemeClr val="tx1">
-                    <a:tint val="75000"/>
-                  </a:schemeClr>
-                </a:solidFill>
-                <a:latin typeface="+mn-lt"/>
-                <a:ea typeface="+mn-ea"/>
-                <a:cs typeface="+mn-cs"/>
-              </a:defRPr>
-            </a:lvl1pPr>
-            <a:lvl2pPr marL="457200" algn="l" defTabSz="914400" rtl="0" eaLnBrk="1" latinLnBrk="0" hangingPunct="1">
-              <a:defRPr sz="1800" kern="1200">
-                <a:solidFill>
-                  <a:schemeClr val="tx1"/>
-                </a:solidFill>
-                <a:latin typeface="+mn-lt"/>
-                <a:ea typeface="+mn-ea"/>
-                <a:cs typeface="+mn-cs"/>
-              </a:defRPr>
-            </a:lvl2pPr>
-            <a:lvl3pPr marL="914400" algn="l" defTabSz="914400" rtl="0" eaLnBrk="1" latinLnBrk="0" hangingPunct="1">
-              <a:defRPr sz="1800" kern="1200">
-                <a:solidFill>
-                  <a:schemeClr val="tx1"/>
-                </a:solidFill>
-                <a:latin typeface="+mn-lt"/>
-                <a:ea typeface="+mn-ea"/>
-                <a:cs typeface="+mn-cs"/>
-              </a:defRPr>
-            </a:lvl3pPr>
-            <a:lvl4pPr marL="1371600" algn="l" defTabSz="914400" rtl="0" eaLnBrk="1" latinLnBrk="0" hangingPunct="1">
-              <a:defRPr sz="1800" kern="1200">
-                <a:solidFill>
-                  <a:schemeClr val="tx1"/>
-                </a:solidFill>
-                <a:latin typeface="+mn-lt"/>
-                <a:ea typeface="+mn-ea"/>
-                <a:cs typeface="+mn-cs"/>
-              </a:defRPr>
-            </a:lvl4pPr>
-            <a:lvl5pPr marL="1828800" algn="l" defTabSz="914400" rtl="0" eaLnBrk="1" latinLnBrk="0" hangingPunct="1">
-              <a:defRPr sz="1800" kern="1200">
-                <a:solidFill>
-                  <a:schemeClr val="tx1"/>
-                </a:solidFill>
-                <a:latin typeface="+mn-lt"/>
-                <a:ea typeface="+mn-ea"/>
-                <a:cs typeface="+mn-cs"/>
-              </a:defRPr>
-            </a:lvl5pPr>
-            <a:lvl6pPr marL="2286000" algn="l" defTabSz="914400" rtl="0" eaLnBrk="1" latinLnBrk="0" hangingPunct="1">
-              <a:defRPr sz="1800" kern="1200">
-                <a:solidFill>
-                  <a:schemeClr val="tx1"/>
-                </a:solidFill>
-                <a:latin typeface="+mn-lt"/>
-                <a:ea typeface="+mn-ea"/>
-                <a:cs typeface="+mn-cs"/>
-              </a:defRPr>
-            </a:lvl6pPr>
-            <a:lvl7pPr marL="2743200" algn="l" defTabSz="914400" rtl="0" eaLnBrk="1" latinLnBrk="0" hangingPunct="1">
-              <a:defRPr sz="1800" kern="1200">
-                <a:solidFill>
-                  <a:schemeClr val="tx1"/>
-                </a:solidFill>
-                <a:latin typeface="+mn-lt"/>
-                <a:ea typeface="+mn-ea"/>
-                <a:cs typeface="+mn-cs"/>
-              </a:defRPr>
-            </a:lvl7pPr>
-            <a:lvl8pPr marL="3200400" algn="l" defTabSz="914400" rtl="0" eaLnBrk="1" latinLnBrk="0" hangingPunct="1">
-              <a:defRPr sz="1800" kern="1200">
-                <a:solidFill>
-                  <a:schemeClr val="tx1"/>
-                </a:solidFill>
-                <a:latin typeface="+mn-lt"/>
-                <a:ea typeface="+mn-ea"/>
-                <a:cs typeface="+mn-cs"/>
-              </a:defRPr>
-            </a:lvl8pPr>
-            <a:lvl9pPr marL="3657600" algn="l" defTabSz="914400" rtl="0" eaLnBrk="1" latinLnBrk="0" hangingPunct="1">
-              <a:defRPr sz="1800" kern="1200">
-                <a:solidFill>
-                  <a:schemeClr val="tx1"/>
-                </a:solidFill>
-                <a:latin typeface="+mn-lt"/>
-                <a:ea typeface="+mn-ea"/>
-                <a:cs typeface="+mn-cs"/>
-              </a:defRPr>
-            </a:lvl9pPr>
-          </a:lstStyle>
-          <a:p>
-            <a:fld id="{034A2469-CE07-4E21-88F9-8436BB41227F}" type="slidenum">
-              <a:rPr lang="es-ES" sz="1800" smtClean="0"/>
-              <a:pPr/>
-              <a:t>15</a:t>
-            </a:fld>
-            <a:r>
-              <a:rPr lang="es-ES" sz="1800" dirty="0"/>
-              <a:t>/16</a:t>
-            </a:r>
-            <a:endParaRPr lang="es-ES" dirty="0"/>
-          </a:p>
-        </p:txBody>
-      </p:sp>
       <p:pic>
         <p:nvPicPr>
           <p:cNvPr id="4" name="Imagen 3" descr="Gráfico, Histograma&#10;&#10;Descripción generada automáticamente">
@@ -8616,10 +9014,599 @@
           </a:prstGeom>
         </p:spPr>
       </p:pic>
+      <p:sp>
+        <p:nvSpPr>
+          <p:cNvPr id="13" name="Marcador de número de diapositiva 8">
+            <a:extLst>
+              <a:ext uri="{FF2B5EF4-FFF2-40B4-BE49-F238E27FC236}">
+                <a16:creationId xmlns:a16="http://schemas.microsoft.com/office/drawing/2014/main" id="{4E02586F-701B-4F5D-A306-C5E123797433}"/>
+              </a:ext>
+            </a:extLst>
+          </p:cNvPr>
+          <p:cNvSpPr txBox="1">
+            <a:spLocks/>
+          </p:cNvSpPr>
+          <p:nvPr/>
+        </p:nvSpPr>
+        <p:spPr>
+          <a:xfrm>
+            <a:off x="9402148" y="6444474"/>
+            <a:ext cx="2743200" cy="365125"/>
+          </a:xfrm>
+          <a:prstGeom prst="rect">
+            <a:avLst/>
+          </a:prstGeom>
+        </p:spPr>
+        <p:txBody>
+          <a:bodyPr vert="horz" lIns="91440" tIns="45720" rIns="91440" bIns="45720" rtlCol="0" anchor="ctr"/>
+          <a:lstStyle>
+            <a:defPPr>
+              <a:defRPr lang="es-ES"/>
+            </a:defPPr>
+            <a:lvl1pPr marL="0" algn="r" defTabSz="914400" rtl="0" eaLnBrk="1" latinLnBrk="0" hangingPunct="1">
+              <a:defRPr sz="1200" kern="1200">
+                <a:solidFill>
+                  <a:schemeClr val="tx1">
+                    <a:tint val="75000"/>
+                  </a:schemeClr>
+                </a:solidFill>
+                <a:latin typeface="+mn-lt"/>
+                <a:ea typeface="+mn-ea"/>
+                <a:cs typeface="+mn-cs"/>
+              </a:defRPr>
+            </a:lvl1pPr>
+            <a:lvl2pPr marL="457200" algn="l" defTabSz="914400" rtl="0" eaLnBrk="1" latinLnBrk="0" hangingPunct="1">
+              <a:defRPr sz="1800" kern="1200">
+                <a:solidFill>
+                  <a:schemeClr val="tx1"/>
+                </a:solidFill>
+                <a:latin typeface="+mn-lt"/>
+                <a:ea typeface="+mn-ea"/>
+                <a:cs typeface="+mn-cs"/>
+              </a:defRPr>
+            </a:lvl2pPr>
+            <a:lvl3pPr marL="914400" algn="l" defTabSz="914400" rtl="0" eaLnBrk="1" latinLnBrk="0" hangingPunct="1">
+              <a:defRPr sz="1800" kern="1200">
+                <a:solidFill>
+                  <a:schemeClr val="tx1"/>
+                </a:solidFill>
+                <a:latin typeface="+mn-lt"/>
+                <a:ea typeface="+mn-ea"/>
+                <a:cs typeface="+mn-cs"/>
+              </a:defRPr>
+            </a:lvl3pPr>
+            <a:lvl4pPr marL="1371600" algn="l" defTabSz="914400" rtl="0" eaLnBrk="1" latinLnBrk="0" hangingPunct="1">
+              <a:defRPr sz="1800" kern="1200">
+                <a:solidFill>
+                  <a:schemeClr val="tx1"/>
+                </a:solidFill>
+                <a:latin typeface="+mn-lt"/>
+                <a:ea typeface="+mn-ea"/>
+                <a:cs typeface="+mn-cs"/>
+              </a:defRPr>
+            </a:lvl4pPr>
+            <a:lvl5pPr marL="1828800" algn="l" defTabSz="914400" rtl="0" eaLnBrk="1" latinLnBrk="0" hangingPunct="1">
+              <a:defRPr sz="1800" kern="1200">
+                <a:solidFill>
+                  <a:schemeClr val="tx1"/>
+                </a:solidFill>
+                <a:latin typeface="+mn-lt"/>
+                <a:ea typeface="+mn-ea"/>
+                <a:cs typeface="+mn-cs"/>
+              </a:defRPr>
+            </a:lvl5pPr>
+            <a:lvl6pPr marL="2286000" algn="l" defTabSz="914400" rtl="0" eaLnBrk="1" latinLnBrk="0" hangingPunct="1">
+              <a:defRPr sz="1800" kern="1200">
+                <a:solidFill>
+                  <a:schemeClr val="tx1"/>
+                </a:solidFill>
+                <a:latin typeface="+mn-lt"/>
+                <a:ea typeface="+mn-ea"/>
+                <a:cs typeface="+mn-cs"/>
+              </a:defRPr>
+            </a:lvl6pPr>
+            <a:lvl7pPr marL="2743200" algn="l" defTabSz="914400" rtl="0" eaLnBrk="1" latinLnBrk="0" hangingPunct="1">
+              <a:defRPr sz="1800" kern="1200">
+                <a:solidFill>
+                  <a:schemeClr val="tx1"/>
+                </a:solidFill>
+                <a:latin typeface="+mn-lt"/>
+                <a:ea typeface="+mn-ea"/>
+                <a:cs typeface="+mn-cs"/>
+              </a:defRPr>
+            </a:lvl7pPr>
+            <a:lvl8pPr marL="3200400" algn="l" defTabSz="914400" rtl="0" eaLnBrk="1" latinLnBrk="0" hangingPunct="1">
+              <a:defRPr sz="1800" kern="1200">
+                <a:solidFill>
+                  <a:schemeClr val="tx1"/>
+                </a:solidFill>
+                <a:latin typeface="+mn-lt"/>
+                <a:ea typeface="+mn-ea"/>
+                <a:cs typeface="+mn-cs"/>
+              </a:defRPr>
+            </a:lvl8pPr>
+            <a:lvl9pPr marL="3657600" algn="l" defTabSz="914400" rtl="0" eaLnBrk="1" latinLnBrk="0" hangingPunct="1">
+              <a:defRPr sz="1800" kern="1200">
+                <a:solidFill>
+                  <a:schemeClr val="tx1"/>
+                </a:solidFill>
+                <a:latin typeface="+mn-lt"/>
+                <a:ea typeface="+mn-ea"/>
+                <a:cs typeface="+mn-cs"/>
+              </a:defRPr>
+            </a:lvl9pPr>
+          </a:lstStyle>
+          <a:p>
+            <a:fld id="{034A2469-CE07-4E21-88F9-8436BB41227F}" type="slidenum">
+              <a:rPr lang="es-ES" sz="1800" smtClean="0"/>
+              <a:pPr/>
+              <a:t>16</a:t>
+            </a:fld>
+            <a:r>
+              <a:rPr lang="es-ES" sz="1800" dirty="0"/>
+              <a:t>/17</a:t>
+            </a:r>
+            <a:endParaRPr lang="es-ES" dirty="0"/>
+          </a:p>
+        </p:txBody>
+      </p:sp>
     </p:spTree>
     <p:extLst>
       <p:ext uri="{BB962C8B-B14F-4D97-AF65-F5344CB8AC3E}">
         <p14:creationId xmlns:p14="http://schemas.microsoft.com/office/powerpoint/2010/main" val="1857346611"/>
+      </p:ext>
+    </p:extLst>
+  </p:cSld>
+  <p:clrMapOvr>
+    <a:masterClrMapping/>
+  </p:clrMapOvr>
+</p:sld>
+</file>
+
+<file path=ppt/slides/slide17.xml><?xml version="1.0" encoding="utf-8"?>
+<p:sld xmlns:a="http://schemas.openxmlformats.org/drawingml/2006/main" xmlns:r="http://schemas.openxmlformats.org/officeDocument/2006/relationships" xmlns:p="http://schemas.openxmlformats.org/presentationml/2006/main">
+  <p:cSld>
+    <p:spTree>
+      <p:nvGrpSpPr>
+        <p:cNvPr id="1" name=""/>
+        <p:cNvGrpSpPr/>
+        <p:nvPr/>
+      </p:nvGrpSpPr>
+      <p:grpSpPr>
+        <a:xfrm>
+          <a:off x="0" y="0"/>
+          <a:ext cx="0" cy="0"/>
+          <a:chOff x="0" y="0"/>
+          <a:chExt cx="0" cy="0"/>
+        </a:xfrm>
+      </p:grpSpPr>
+      <p:sp>
+        <p:nvSpPr>
+          <p:cNvPr id="2" name="Título 1">
+            <a:extLst>
+              <a:ext uri="{FF2B5EF4-FFF2-40B4-BE49-F238E27FC236}">
+                <a16:creationId xmlns:a16="http://schemas.microsoft.com/office/drawing/2014/main" id="{9AE3B19C-5EFA-4864-BCDE-9F4759131C26}"/>
+              </a:ext>
+            </a:extLst>
+          </p:cNvPr>
+          <p:cNvSpPr>
+            <a:spLocks noGrp="1"/>
+          </p:cNvSpPr>
+          <p:nvPr>
+            <p:ph type="title"/>
+          </p:nvPr>
+        </p:nvSpPr>
+        <p:spPr>
+          <a:xfrm>
+            <a:off x="838199" y="338913"/>
+            <a:ext cx="9753601" cy="518337"/>
+          </a:xfrm>
+        </p:spPr>
+        <p:txBody>
+          <a:bodyPr>
+            <a:normAutofit fontScale="90000"/>
+          </a:bodyPr>
+          <a:lstStyle/>
+          <a:p>
+            <a:r>
+              <a:rPr lang="es-ES" dirty="0">
+                <a:solidFill>
+                  <a:srgbClr val="0070C0"/>
+                </a:solidFill>
+              </a:rPr>
+              <a:t>Conclusiones</a:t>
+            </a:r>
+          </a:p>
+        </p:txBody>
+      </p:sp>
+      <p:sp>
+        <p:nvSpPr>
+          <p:cNvPr id="7" name="CuadroTexto 6">
+            <a:extLst>
+              <a:ext uri="{FF2B5EF4-FFF2-40B4-BE49-F238E27FC236}">
+                <a16:creationId xmlns:a16="http://schemas.microsoft.com/office/drawing/2014/main" id="{64A0AAEB-0B42-4EE1-BABE-DBC24EFCB515}"/>
+              </a:ext>
+            </a:extLst>
+          </p:cNvPr>
+          <p:cNvSpPr txBox="1"/>
+          <p:nvPr/>
+        </p:nvSpPr>
+        <p:spPr>
+          <a:xfrm>
+            <a:off x="2251787" y="6488668"/>
+            <a:ext cx="7688425" cy="369332"/>
+          </a:xfrm>
+          <a:prstGeom prst="rect">
+            <a:avLst/>
+          </a:prstGeom>
+          <a:noFill/>
+        </p:spPr>
+        <p:txBody>
+          <a:bodyPr wrap="square" rtlCol="0">
+            <a:spAutoFit/>
+          </a:bodyPr>
+          <a:lstStyle/>
+          <a:p>
+            <a:pPr algn="ctr"/>
+            <a:r>
+              <a:rPr lang="es-ES" sz="1800" dirty="0"/>
+              <a:t>Generación de Números y Variables Aleatorias</a:t>
+            </a:r>
+            <a:endParaRPr lang="es-ES" dirty="0">
+              <a:solidFill>
+                <a:schemeClr val="bg2">
+                  <a:lumMod val="50000"/>
+                </a:schemeClr>
+              </a:solidFill>
+            </a:endParaRPr>
+          </a:p>
+        </p:txBody>
+      </p:sp>
+      <mc:AlternateContent xmlns:mc="http://schemas.openxmlformats.org/markup-compatibility/2006">
+        <mc:Choice xmlns:a14="http://schemas.microsoft.com/office/drawing/2010/main" Requires="a14">
+          <p:sp>
+            <p:nvSpPr>
+              <p:cNvPr id="6" name="Marcador de contenido 5">
+                <a:extLst>
+                  <a:ext uri="{FF2B5EF4-FFF2-40B4-BE49-F238E27FC236}">
+                    <a16:creationId xmlns:a16="http://schemas.microsoft.com/office/drawing/2014/main" id="{FA831DB7-E5AB-41D9-A7CE-A8DCB00F9E69}"/>
+                  </a:ext>
+                </a:extLst>
+              </p:cNvPr>
+              <p:cNvSpPr>
+                <a:spLocks noGrp="1"/>
+              </p:cNvSpPr>
+              <p:nvPr>
+                <p:ph idx="1"/>
+              </p:nvPr>
+            </p:nvSpPr>
+            <p:spPr>
+              <a:xfrm>
+                <a:off x="742739" y="1708286"/>
+                <a:ext cx="9577388" cy="4075113"/>
+              </a:xfrm>
+            </p:spPr>
+            <p:txBody>
+              <a:bodyPr>
+                <a:normAutofit/>
+              </a:bodyPr>
+              <a:lstStyle/>
+              <a:p>
+                <a:r>
+                  <a:rPr lang="es-ES" dirty="0">
+                    <a:cs typeface="Adobe Arabic" panose="02040503050201020203" pitchFamily="18" charset="-78"/>
+                  </a:rPr>
+                  <a:t>Al fallar el generador en tres contrastes de la batería, </a:t>
+                </a:r>
+                <a:r>
+                  <a:rPr lang="es-ES" b="1" dirty="0">
+                    <a:cs typeface="Adobe Arabic" panose="02040503050201020203" pitchFamily="18" charset="-78"/>
+                  </a:rPr>
+                  <a:t>se rechazaría el generador como bueno</a:t>
+                </a:r>
+                <a:r>
+                  <a:rPr lang="es-ES" dirty="0">
+                    <a:cs typeface="Adobe Arabic" panose="02040503050201020203" pitchFamily="18" charset="-78"/>
+                  </a:rPr>
+                  <a:t>.</a:t>
+                </a:r>
+              </a:p>
+              <a:p>
+                <a:r>
+                  <a:rPr lang="es-ES" dirty="0">
+                    <a:cs typeface="Adobe Arabic" panose="02040503050201020203" pitchFamily="18" charset="-78"/>
+                  </a:rPr>
+                  <a:t>Podría utilizarse para funcionalidades simples, pero </a:t>
+                </a:r>
+                <a:r>
+                  <a:rPr lang="es-ES" b="1" dirty="0">
+                    <a:cs typeface="Adobe Arabic" panose="02040503050201020203" pitchFamily="18" charset="-78"/>
+                  </a:rPr>
+                  <a:t>en absoluto para otras más exigentes como la criptografía</a:t>
+                </a:r>
+                <a:r>
+                  <a:rPr lang="es-ES" dirty="0">
+                    <a:cs typeface="Adobe Arabic" panose="02040503050201020203" pitchFamily="18" charset="-78"/>
+                  </a:rPr>
+                  <a:t>.</a:t>
+                </a:r>
+              </a:p>
+              <a:p>
+                <a:r>
+                  <a:rPr lang="es-ES" dirty="0">
+                    <a:cs typeface="Adobe Arabic" panose="02040503050201020203" pitchFamily="18" charset="-78"/>
+                  </a:rPr>
+                  <a:t>Su debilidad como generador se debe a la </a:t>
+                </a:r>
+                <a:r>
+                  <a:rPr lang="es-ES" b="1" dirty="0" err="1">
+                    <a:cs typeface="Adobe Arabic" panose="02040503050201020203" pitchFamily="18" charset="-78"/>
+                  </a:rPr>
+                  <a:t>reticularidad</a:t>
+                </a:r>
+                <a:r>
+                  <a:rPr lang="es-ES" dirty="0">
+                    <a:cs typeface="Adobe Arabic" panose="02040503050201020203" pitchFamily="18" charset="-78"/>
+                  </a:rPr>
+                  <a:t> propia de un generador </a:t>
+                </a:r>
+                <a:r>
+                  <a:rPr lang="es-ES" dirty="0" err="1">
+                    <a:cs typeface="Adobe Arabic" panose="02040503050201020203" pitchFamily="18" charset="-78"/>
+                  </a:rPr>
+                  <a:t>congruencial</a:t>
+                </a:r>
+                <a:r>
+                  <a:rPr lang="es-ES" dirty="0">
+                    <a:cs typeface="Adobe Arabic" panose="02040503050201020203" pitchFamily="18" charset="-78"/>
+                  </a:rPr>
+                  <a:t> multiplicativo y a su </a:t>
+                </a:r>
+                <a:r>
+                  <a:rPr lang="es-ES" b="1" dirty="0">
+                    <a:cs typeface="Adobe Arabic" panose="02040503050201020203" pitchFamily="18" charset="-78"/>
+                  </a:rPr>
+                  <a:t>período máximo</a:t>
+                </a:r>
+                <a:r>
+                  <a:rPr lang="es-ES" dirty="0">
+                    <a:cs typeface="Adobe Arabic" panose="02040503050201020203" pitchFamily="18" charset="-78"/>
+                  </a:rPr>
+                  <a:t> relativamente bajo </a:t>
+                </a:r>
+                <a14:m>
+                  <m:oMath xmlns:m="http://schemas.openxmlformats.org/officeDocument/2006/math">
+                    <m:sSup>
+                      <m:sSupPr>
+                        <m:ctrlPr>
+                          <a:rPr lang="es-ES" b="0" i="1" smtClean="0">
+                            <a:latin typeface="Cambria Math" panose="02040503050406030204" pitchFamily="18" charset="0"/>
+                            <a:cs typeface="Adobe Arabic" panose="02040503050201020203" pitchFamily="18" charset="-78"/>
+                          </a:rPr>
+                        </m:ctrlPr>
+                      </m:sSupPr>
+                      <m:e>
+                        <m:r>
+                          <a:rPr lang="es-ES" b="0" i="1" smtClean="0">
+                            <a:latin typeface="Cambria Math" panose="02040503050406030204" pitchFamily="18" charset="0"/>
+                            <a:cs typeface="Adobe Arabic" panose="02040503050201020203" pitchFamily="18" charset="-78"/>
+                          </a:rPr>
+                          <m:t>2</m:t>
+                        </m:r>
+                      </m:e>
+                      <m:sup>
+                        <m:r>
+                          <a:rPr lang="es-ES" b="0" i="1" smtClean="0">
+                            <a:latin typeface="Cambria Math" panose="02040503050406030204" pitchFamily="18" charset="0"/>
+                            <a:cs typeface="Adobe Arabic" panose="02040503050201020203" pitchFamily="18" charset="-78"/>
+                          </a:rPr>
+                          <m:t>31</m:t>
+                        </m:r>
+                      </m:sup>
+                    </m:sSup>
+                    <m:r>
+                      <a:rPr lang="es-ES" b="0" i="1" smtClean="0">
+                        <a:latin typeface="Cambria Math" panose="02040503050406030204" pitchFamily="18" charset="0"/>
+                        <a:cs typeface="Adobe Arabic" panose="02040503050201020203" pitchFamily="18" charset="-78"/>
+                      </a:rPr>
+                      <m:t>−1</m:t>
+                    </m:r>
+                  </m:oMath>
+                </a14:m>
+                <a:r>
+                  <a:rPr lang="es-ES" dirty="0">
+                    <a:cs typeface="Adobe Arabic" panose="02040503050201020203" pitchFamily="18" charset="-78"/>
+                  </a:rPr>
+                  <a:t>.</a:t>
+                </a:r>
+              </a:p>
+            </p:txBody>
+          </p:sp>
+        </mc:Choice>
+        <mc:Fallback>
+          <p:sp>
+            <p:nvSpPr>
+              <p:cNvPr id="6" name="Marcador de contenido 5">
+                <a:extLst>
+                  <a:ext uri="{FF2B5EF4-FFF2-40B4-BE49-F238E27FC236}">
+                    <a16:creationId xmlns:a16="http://schemas.microsoft.com/office/drawing/2014/main" id="{FA831DB7-E5AB-41D9-A7CE-A8DCB00F9E69}"/>
+                  </a:ext>
+                </a:extLst>
+              </p:cNvPr>
+              <p:cNvSpPr>
+                <a:spLocks noGrp="1" noRot="1" noChangeAspect="1" noMove="1" noResize="1" noEditPoints="1" noAdjustHandles="1" noChangeArrowheads="1" noChangeShapeType="1" noTextEdit="1"/>
+              </p:cNvSpPr>
+              <p:nvPr>
+                <p:ph idx="1"/>
+              </p:nvPr>
+            </p:nvSpPr>
+            <p:spPr>
+              <a:xfrm>
+                <a:off x="742739" y="1708286"/>
+                <a:ext cx="9577388" cy="4075113"/>
+              </a:xfrm>
+              <a:blipFill>
+                <a:blip r:embed="rId3"/>
+                <a:stretch>
+                  <a:fillRect l="-1146" t="-2541" r="-2292"/>
+                </a:stretch>
+              </a:blipFill>
+            </p:spPr>
+            <p:txBody>
+              <a:bodyPr/>
+              <a:lstStyle/>
+              <a:p>
+                <a:r>
+                  <a:rPr lang="es-ES">
+                    <a:noFill/>
+                  </a:rPr>
+                  <a:t> </a:t>
+                </a:r>
+              </a:p>
+            </p:txBody>
+          </p:sp>
+        </mc:Fallback>
+      </mc:AlternateContent>
+      <p:sp>
+        <p:nvSpPr>
+          <p:cNvPr id="8" name="Marcador de número de diapositiva 8">
+            <a:extLst>
+              <a:ext uri="{FF2B5EF4-FFF2-40B4-BE49-F238E27FC236}">
+                <a16:creationId xmlns:a16="http://schemas.microsoft.com/office/drawing/2014/main" id="{4294E73A-FBC9-44CB-8D34-255533F8750C}"/>
+              </a:ext>
+            </a:extLst>
+          </p:cNvPr>
+          <p:cNvSpPr txBox="1">
+            <a:spLocks/>
+          </p:cNvSpPr>
+          <p:nvPr/>
+        </p:nvSpPr>
+        <p:spPr>
+          <a:xfrm>
+            <a:off x="9402148" y="6444474"/>
+            <a:ext cx="2743200" cy="365125"/>
+          </a:xfrm>
+          <a:prstGeom prst="rect">
+            <a:avLst/>
+          </a:prstGeom>
+        </p:spPr>
+        <p:txBody>
+          <a:bodyPr vert="horz" lIns="91440" tIns="45720" rIns="91440" bIns="45720" rtlCol="0" anchor="ctr"/>
+          <a:lstStyle>
+            <a:defPPr>
+              <a:defRPr lang="es-ES"/>
+            </a:defPPr>
+            <a:lvl1pPr marL="0" algn="r" defTabSz="914400" rtl="0" eaLnBrk="1" latinLnBrk="0" hangingPunct="1">
+              <a:defRPr sz="1200" kern="1200">
+                <a:solidFill>
+                  <a:schemeClr val="tx1">
+                    <a:tint val="75000"/>
+                  </a:schemeClr>
+                </a:solidFill>
+                <a:latin typeface="+mn-lt"/>
+                <a:ea typeface="+mn-ea"/>
+                <a:cs typeface="+mn-cs"/>
+              </a:defRPr>
+            </a:lvl1pPr>
+            <a:lvl2pPr marL="457200" algn="l" defTabSz="914400" rtl="0" eaLnBrk="1" latinLnBrk="0" hangingPunct="1">
+              <a:defRPr sz="1800" kern="1200">
+                <a:solidFill>
+                  <a:schemeClr val="tx1"/>
+                </a:solidFill>
+                <a:latin typeface="+mn-lt"/>
+                <a:ea typeface="+mn-ea"/>
+                <a:cs typeface="+mn-cs"/>
+              </a:defRPr>
+            </a:lvl2pPr>
+            <a:lvl3pPr marL="914400" algn="l" defTabSz="914400" rtl="0" eaLnBrk="1" latinLnBrk="0" hangingPunct="1">
+              <a:defRPr sz="1800" kern="1200">
+                <a:solidFill>
+                  <a:schemeClr val="tx1"/>
+                </a:solidFill>
+                <a:latin typeface="+mn-lt"/>
+                <a:ea typeface="+mn-ea"/>
+                <a:cs typeface="+mn-cs"/>
+              </a:defRPr>
+            </a:lvl3pPr>
+            <a:lvl4pPr marL="1371600" algn="l" defTabSz="914400" rtl="0" eaLnBrk="1" latinLnBrk="0" hangingPunct="1">
+              <a:defRPr sz="1800" kern="1200">
+                <a:solidFill>
+                  <a:schemeClr val="tx1"/>
+                </a:solidFill>
+                <a:latin typeface="+mn-lt"/>
+                <a:ea typeface="+mn-ea"/>
+                <a:cs typeface="+mn-cs"/>
+              </a:defRPr>
+            </a:lvl4pPr>
+            <a:lvl5pPr marL="1828800" algn="l" defTabSz="914400" rtl="0" eaLnBrk="1" latinLnBrk="0" hangingPunct="1">
+              <a:defRPr sz="1800" kern="1200">
+                <a:solidFill>
+                  <a:schemeClr val="tx1"/>
+                </a:solidFill>
+                <a:latin typeface="+mn-lt"/>
+                <a:ea typeface="+mn-ea"/>
+                <a:cs typeface="+mn-cs"/>
+              </a:defRPr>
+            </a:lvl5pPr>
+            <a:lvl6pPr marL="2286000" algn="l" defTabSz="914400" rtl="0" eaLnBrk="1" latinLnBrk="0" hangingPunct="1">
+              <a:defRPr sz="1800" kern="1200">
+                <a:solidFill>
+                  <a:schemeClr val="tx1"/>
+                </a:solidFill>
+                <a:latin typeface="+mn-lt"/>
+                <a:ea typeface="+mn-ea"/>
+                <a:cs typeface="+mn-cs"/>
+              </a:defRPr>
+            </a:lvl6pPr>
+            <a:lvl7pPr marL="2743200" algn="l" defTabSz="914400" rtl="0" eaLnBrk="1" latinLnBrk="0" hangingPunct="1">
+              <a:defRPr sz="1800" kern="1200">
+                <a:solidFill>
+                  <a:schemeClr val="tx1"/>
+                </a:solidFill>
+                <a:latin typeface="+mn-lt"/>
+                <a:ea typeface="+mn-ea"/>
+                <a:cs typeface="+mn-cs"/>
+              </a:defRPr>
+            </a:lvl7pPr>
+            <a:lvl8pPr marL="3200400" algn="l" defTabSz="914400" rtl="0" eaLnBrk="1" latinLnBrk="0" hangingPunct="1">
+              <a:defRPr sz="1800" kern="1200">
+                <a:solidFill>
+                  <a:schemeClr val="tx1"/>
+                </a:solidFill>
+                <a:latin typeface="+mn-lt"/>
+                <a:ea typeface="+mn-ea"/>
+                <a:cs typeface="+mn-cs"/>
+              </a:defRPr>
+            </a:lvl8pPr>
+            <a:lvl9pPr marL="3657600" algn="l" defTabSz="914400" rtl="0" eaLnBrk="1" latinLnBrk="0" hangingPunct="1">
+              <a:defRPr sz="1800" kern="1200">
+                <a:solidFill>
+                  <a:schemeClr val="tx1"/>
+                </a:solidFill>
+                <a:latin typeface="+mn-lt"/>
+                <a:ea typeface="+mn-ea"/>
+                <a:cs typeface="+mn-cs"/>
+              </a:defRPr>
+            </a:lvl9pPr>
+          </a:lstStyle>
+          <a:p>
+            <a:fld id="{034A2469-CE07-4E21-88F9-8436BB41227F}" type="slidenum">
+              <a:rPr lang="es-ES" sz="1800" smtClean="0"/>
+              <a:pPr/>
+              <a:t>17</a:t>
+            </a:fld>
+            <a:r>
+              <a:rPr lang="es-ES" sz="1800" dirty="0"/>
+              <a:t>/17</a:t>
+            </a:r>
+            <a:endParaRPr lang="es-ES" dirty="0"/>
+          </a:p>
+        </p:txBody>
+      </p:sp>
+    </p:spTree>
+    <p:extLst>
+      <p:ext uri="{BB962C8B-B14F-4D97-AF65-F5344CB8AC3E}">
+        <p14:creationId xmlns:p14="http://schemas.microsoft.com/office/powerpoint/2010/main" val="2490033921"/>
       </p:ext>
     </p:extLst>
   </p:cSld>
@@ -8675,7 +9662,7 @@
             <a:pPr algn="ctr"/>
             <a:r>
               <a:rPr lang="es-ES" dirty="0"/>
-              <a:t>Repaso</a:t>
+              <a:t>Introducción</a:t>
             </a:r>
           </a:p>
         </p:txBody>
@@ -8755,7 +9742,7 @@
     </p:spTree>
     <p:extLst>
       <p:ext uri="{BB962C8B-B14F-4D97-AF65-F5344CB8AC3E}">
-        <p14:creationId xmlns:p14="http://schemas.microsoft.com/office/powerpoint/2010/main" val="3516775223"/>
+        <p14:creationId xmlns:p14="http://schemas.microsoft.com/office/powerpoint/2010/main" val="599195122"/>
       </p:ext>
     </p:extLst>
   </p:cSld>
@@ -8806,7 +9793,7 @@
         </p:spPr>
         <p:txBody>
           <a:bodyPr>
-            <a:normAutofit fontScale="90000"/>
+            <a:normAutofit/>
           </a:bodyPr>
           <a:lstStyle/>
           <a:p>
@@ -8816,7 +9803,7 @@
                   <a:srgbClr val="0070C0"/>
                 </a:solidFill>
               </a:rPr>
-              <a:t>Repaso. Función de Distribución Acumulada (CDF)</a:t>
+              <a:t>Introducción. Enunciado</a:t>
             </a:r>
           </a:p>
         </p:txBody>
@@ -8864,14 +9851,14 @@
           </a:p>
         </p:txBody>
       </p:sp>
-      <mc:AlternateContent xmlns:mc="http://schemas.openxmlformats.org/markup-compatibility/2006" xmlns:a14="http://schemas.microsoft.com/office/drawing/2010/main">
-        <mc:Choice Requires="a14">
+      <mc:AlternateContent xmlns:mc="http://schemas.openxmlformats.org/markup-compatibility/2006">
+        <mc:Choice xmlns:a14="http://schemas.microsoft.com/office/drawing/2010/main" Requires="a14">
           <p:sp>
             <p:nvSpPr>
-              <p:cNvPr id="6" name="Marcador de contenido 5">
+              <p:cNvPr id="4" name="Marcador de contenido 3">
                 <a:extLst>
                   <a:ext uri="{FF2B5EF4-FFF2-40B4-BE49-F238E27FC236}">
-                    <a16:creationId xmlns:a16="http://schemas.microsoft.com/office/drawing/2014/main" id="{FA831DB7-E5AB-41D9-A7CE-A8DCB00F9E69}"/>
+                    <a16:creationId xmlns:a16="http://schemas.microsoft.com/office/drawing/2014/main" id="{AB1515C5-604E-4A78-9800-F0C781003B2B}"/>
                   </a:ext>
                 </a:extLst>
               </p:cNvPr>
@@ -8884,207 +9871,184 @@
             </p:nvSpPr>
             <p:spPr>
               <a:xfrm>
-                <a:off x="838200" y="1201614"/>
-                <a:ext cx="10515600" cy="4975349"/>
+                <a:off x="838199" y="1820601"/>
+                <a:ext cx="10515600" cy="4351338"/>
               </a:xfrm>
             </p:spPr>
             <p:txBody>
               <a:bodyPr/>
               <a:lstStyle/>
               <a:p>
-                <a:pPr marL="457200" lvl="1" indent="0">
+                <a:r>
+                  <a:rPr lang="es-ES" dirty="0"/>
+                  <a:t>Utilizar los contrastes de la librería </a:t>
+                </a:r>
+                <a:r>
+                  <a:rPr lang="es-ES" b="1" i="1" dirty="0"/>
+                  <a:t>TestU01</a:t>
+                </a:r>
+                <a:r>
+                  <a:rPr lang="es-ES" dirty="0"/>
+                  <a:t> para probar la eficacia del </a:t>
+                </a:r>
+                <a:r>
+                  <a:rPr lang="es-ES" b="1" dirty="0"/>
+                  <a:t>generador </a:t>
+                </a:r>
+                <a:r>
+                  <a:rPr lang="es-ES" b="1" dirty="0" err="1"/>
+                  <a:t>congruencial</a:t>
+                </a:r>
+                <a:r>
+                  <a:rPr lang="es-ES" b="1" dirty="0"/>
+                  <a:t> multiplicativo</a:t>
+                </a:r>
+                <a:r>
+                  <a:rPr lang="es-ES" dirty="0"/>
+                  <a:t> de IMSL:</a:t>
+                </a:r>
+              </a:p>
+              <a:p>
+                <a:pPr marL="0" indent="0">
                   <a:buNone/>
                 </a:pPr>
                 <a14:m>
                   <m:oMathPara xmlns:m="http://schemas.openxmlformats.org/officeDocument/2006/math">
                     <m:oMathParaPr>
-                      <m:jc m:val="left"/>
+                      <m:jc m:val="centerGroup"/>
                     </m:oMathParaPr>
                     <m:oMath xmlns:m="http://schemas.openxmlformats.org/officeDocument/2006/math">
+                      <m:sSub>
+                        <m:sSubPr>
+                          <m:ctrlPr>
+                            <a:rPr lang="es-ES" b="0" i="1" smtClean="0">
+                              <a:latin typeface="Cambria Math" panose="02040503050406030204" pitchFamily="18" charset="0"/>
+                            </a:rPr>
+                          </m:ctrlPr>
+                        </m:sSubPr>
+                        <m:e>
+                          <m:r>
+                            <a:rPr lang="es-ES" b="0" i="1" smtClean="0">
+                              <a:latin typeface="Cambria Math" panose="02040503050406030204" pitchFamily="18" charset="0"/>
+                            </a:rPr>
+                            <m:t>𝑥</m:t>
+                          </m:r>
+                        </m:e>
+                        <m:sub>
+                          <m:r>
+                            <a:rPr lang="es-ES" b="0" i="1" smtClean="0">
+                              <a:latin typeface="Cambria Math" panose="02040503050406030204" pitchFamily="18" charset="0"/>
+                            </a:rPr>
+                            <m:t>𝑖</m:t>
+                          </m:r>
+                          <m:r>
+                            <a:rPr lang="es-ES" b="0" i="1" smtClean="0">
+                              <a:latin typeface="Cambria Math" panose="02040503050406030204" pitchFamily="18" charset="0"/>
+                            </a:rPr>
+                            <m:t>+1</m:t>
+                          </m:r>
+                        </m:sub>
+                      </m:sSub>
                       <m:r>
-                        <a:rPr lang="es-ES" sz="2800" b="0" i="1" smtClean="0">
+                        <a:rPr lang="es-ES" b="0" i="1" smtClean="0">
                           <a:latin typeface="Cambria Math" panose="02040503050406030204" pitchFamily="18" charset="0"/>
-                          <a:cs typeface="Adobe Arabic" panose="02040503050201020203" pitchFamily="18" charset="-78"/>
                         </a:rPr>
-                        <m:t>𝐹</m:t>
+                        <m:t>=16807</m:t>
+                      </m:r>
+                      <m:sSub>
+                        <m:sSubPr>
+                          <m:ctrlPr>
+                            <a:rPr lang="es-ES" b="0" i="1" smtClean="0">
+                              <a:latin typeface="Cambria Math" panose="02040503050406030204" pitchFamily="18" charset="0"/>
+                            </a:rPr>
+                          </m:ctrlPr>
+                        </m:sSubPr>
+                        <m:e>
+                          <m:r>
+                            <a:rPr lang="es-ES" b="0" i="1" smtClean="0">
+                              <a:latin typeface="Cambria Math" panose="02040503050406030204" pitchFamily="18" charset="0"/>
+                            </a:rPr>
+                            <m:t>𝑥</m:t>
+                          </m:r>
+                        </m:e>
+                        <m:sub>
+                          <m:r>
+                            <a:rPr lang="es-ES" b="0" i="1" smtClean="0">
+                              <a:latin typeface="Cambria Math" panose="02040503050406030204" pitchFamily="18" charset="0"/>
+                            </a:rPr>
+                            <m:t>𝑖</m:t>
+                          </m:r>
+                        </m:sub>
+                      </m:sSub>
+                      <m:r>
+                        <a:rPr lang="es-ES" b="0" i="1" smtClean="0">
+                          <a:latin typeface="Cambria Math" panose="02040503050406030204" pitchFamily="18" charset="0"/>
+                        </a:rPr>
+                        <m:t>𝑚𝑜𝑑</m:t>
                       </m:r>
                       <m:d>
                         <m:dPr>
                           <m:ctrlPr>
-                            <a:rPr lang="es-ES" sz="2800" b="0" i="1" smtClean="0">
+                            <a:rPr lang="es-ES" b="0" i="1" smtClean="0">
                               <a:latin typeface="Cambria Math" panose="02040503050406030204" pitchFamily="18" charset="0"/>
-                              <a:cs typeface="Adobe Arabic" panose="02040503050201020203" pitchFamily="18" charset="-78"/>
                             </a:rPr>
                           </m:ctrlPr>
                         </m:dPr>
                         <m:e>
+                          <m:sSup>
+                            <m:sSupPr>
+                              <m:ctrlPr>
+                                <a:rPr lang="es-ES" b="0" i="1" smtClean="0">
+                                  <a:latin typeface="Cambria Math" panose="02040503050406030204" pitchFamily="18" charset="0"/>
+                                </a:rPr>
+                              </m:ctrlPr>
+                            </m:sSupPr>
+                            <m:e>
+                              <m:r>
+                                <a:rPr lang="es-ES" b="0" i="1" smtClean="0">
+                                  <a:latin typeface="Cambria Math" panose="02040503050406030204" pitchFamily="18" charset="0"/>
+                                </a:rPr>
+                                <m:t>2</m:t>
+                              </m:r>
+                            </m:e>
+                            <m:sup>
+                              <m:r>
+                                <a:rPr lang="es-ES" b="0" i="1" smtClean="0">
+                                  <a:latin typeface="Cambria Math" panose="02040503050406030204" pitchFamily="18" charset="0"/>
+                                </a:rPr>
+                                <m:t>31</m:t>
+                              </m:r>
+                            </m:sup>
+                          </m:sSup>
                           <m:r>
-                            <a:rPr lang="es-ES" sz="2800" b="0" i="1" smtClean="0">
+                            <a:rPr lang="es-ES" b="0" i="1" smtClean="0">
                               <a:latin typeface="Cambria Math" panose="02040503050406030204" pitchFamily="18" charset="0"/>
-                              <a:cs typeface="Adobe Arabic" panose="02040503050201020203" pitchFamily="18" charset="-78"/>
                             </a:rPr>
-                            <m:t>𝑥</m:t>
+                            <m:t>−1</m:t>
                           </m:r>
                         </m:e>
                       </m:d>
-                      <m:r>
-                        <a:rPr lang="es-ES" sz="2800" b="0" i="1" smtClean="0">
-                          <a:latin typeface="Cambria Math" panose="02040503050406030204" pitchFamily="18" charset="0"/>
-                          <a:cs typeface="Adobe Arabic" panose="02040503050201020203" pitchFamily="18" charset="-78"/>
-                        </a:rPr>
-                        <m:t>=</m:t>
-                      </m:r>
-                      <m:r>
-                        <a:rPr lang="es-ES" sz="2800" b="0" i="1" smtClean="0">
-                          <a:latin typeface="Cambria Math" panose="02040503050406030204" pitchFamily="18" charset="0"/>
-                          <a:cs typeface="Adobe Arabic" panose="02040503050201020203" pitchFamily="18" charset="-78"/>
-                        </a:rPr>
-                        <m:t>𝑃</m:t>
-                      </m:r>
-                      <m:d>
-                        <m:dPr>
-                          <m:ctrlPr>
-                            <a:rPr lang="es-ES" sz="2800" b="0" i="1" smtClean="0">
-                              <a:latin typeface="Cambria Math" panose="02040503050406030204" pitchFamily="18" charset="0"/>
-                              <a:cs typeface="Adobe Arabic" panose="02040503050201020203" pitchFamily="18" charset="-78"/>
-                            </a:rPr>
-                          </m:ctrlPr>
-                        </m:dPr>
-                        <m:e>
-                          <m:r>
-                            <a:rPr lang="es-ES" sz="2800" b="0" i="1" smtClean="0">
-                              <a:latin typeface="Cambria Math" panose="02040503050406030204" pitchFamily="18" charset="0"/>
-                              <a:cs typeface="Adobe Arabic" panose="02040503050201020203" pitchFamily="18" charset="-78"/>
-                            </a:rPr>
-                            <m:t>𝑋</m:t>
-                          </m:r>
-                          <m:r>
-                            <a:rPr lang="es-ES" sz="2800" b="0" i="1" smtClean="0">
-                              <a:latin typeface="Cambria Math" panose="02040503050406030204" pitchFamily="18" charset="0"/>
-                              <a:cs typeface="Adobe Arabic" panose="02040503050201020203" pitchFamily="18" charset="-78"/>
-                            </a:rPr>
-                            <m:t>≤</m:t>
-                          </m:r>
-                          <m:r>
-                            <a:rPr lang="es-ES" sz="2800" b="0" i="1" smtClean="0">
-                              <a:latin typeface="Cambria Math" panose="02040503050406030204" pitchFamily="18" charset="0"/>
-                              <a:cs typeface="Adobe Arabic" panose="02040503050201020203" pitchFamily="18" charset="-78"/>
-                            </a:rPr>
-                            <m:t>𝑥</m:t>
-                          </m:r>
-                        </m:e>
-                      </m:d>
-                      <m:r>
-                        <a:rPr lang="es-ES" sz="2800" b="0" i="1" smtClean="0">
-                          <a:latin typeface="Cambria Math" panose="02040503050406030204" pitchFamily="18" charset="0"/>
-                          <a:cs typeface="Adobe Arabic" panose="02040503050201020203" pitchFamily="18" charset="-78"/>
-                        </a:rPr>
-                        <m:t>, </m:t>
-                      </m:r>
-                      <m:r>
-                        <a:rPr lang="es-ES" sz="2800" b="0" i="1" smtClean="0">
-                          <a:latin typeface="Cambria Math" panose="02040503050406030204" pitchFamily="18" charset="0"/>
-                          <a:cs typeface="Adobe Arabic" panose="02040503050201020203" pitchFamily="18" charset="-78"/>
-                        </a:rPr>
-                        <m:t>𝑑𝑖𝑠𝑡𝑟𝑖𝑏𝑢𝑐𝑖</m:t>
-                      </m:r>
-                      <m:r>
-                        <a:rPr lang="es-ES" sz="2800" b="0" i="1" smtClean="0">
-                          <a:latin typeface="Cambria Math" panose="02040503050406030204" pitchFamily="18" charset="0"/>
-                          <a:cs typeface="Adobe Arabic" panose="02040503050201020203" pitchFamily="18" charset="-78"/>
-                        </a:rPr>
-                        <m:t>ó</m:t>
-                      </m:r>
-                      <m:r>
-                        <a:rPr lang="es-ES" sz="2800" b="0" i="1" smtClean="0">
-                          <a:latin typeface="Cambria Math" panose="02040503050406030204" pitchFamily="18" charset="0"/>
-                          <a:cs typeface="Adobe Arabic" panose="02040503050201020203" pitchFamily="18" charset="-78"/>
-                        </a:rPr>
-                        <m:t>𝑛</m:t>
-                      </m:r>
-                      <m:r>
-                        <a:rPr lang="es-ES" sz="2800" b="0" i="1" smtClean="0">
-                          <a:latin typeface="Cambria Math" panose="02040503050406030204" pitchFamily="18" charset="0"/>
-                          <a:cs typeface="Adobe Arabic" panose="02040503050201020203" pitchFamily="18" charset="-78"/>
-                        </a:rPr>
-                        <m:t> </m:t>
-                      </m:r>
-                      <m:r>
-                        <a:rPr lang="es-ES" sz="2800" b="0" i="1" smtClean="0">
-                          <a:latin typeface="Cambria Math" panose="02040503050406030204" pitchFamily="18" charset="0"/>
-                          <a:cs typeface="Adobe Arabic" panose="02040503050201020203" pitchFamily="18" charset="-78"/>
-                        </a:rPr>
-                        <m:t>𝑢𝑛𝑖𝑓𝑜𝑟𝑚𝑒</m:t>
-                      </m:r>
-                      <m:r>
-                        <a:rPr lang="es-ES" sz="2800" b="0" i="1" smtClean="0">
-                          <a:latin typeface="Cambria Math" panose="02040503050406030204" pitchFamily="18" charset="0"/>
-                          <a:cs typeface="Adobe Arabic" panose="02040503050201020203" pitchFamily="18" charset="-78"/>
-                        </a:rPr>
-                        <m:t>⇒</m:t>
-                      </m:r>
-                      <m:r>
-                        <a:rPr lang="es-ES" sz="2800" b="0" i="1" smtClean="0">
-                          <a:latin typeface="Cambria Math" panose="02040503050406030204" pitchFamily="18" charset="0"/>
-                          <a:cs typeface="Adobe Arabic" panose="02040503050201020203" pitchFamily="18" charset="-78"/>
-                        </a:rPr>
-                        <m:t>𝐹</m:t>
-                      </m:r>
-                      <m:d>
-                        <m:dPr>
-                          <m:ctrlPr>
-                            <a:rPr lang="es-ES" sz="2800" b="0" i="1" smtClean="0">
-                              <a:latin typeface="Cambria Math" panose="02040503050406030204" pitchFamily="18" charset="0"/>
-                              <a:cs typeface="Adobe Arabic" panose="02040503050201020203" pitchFamily="18" charset="-78"/>
-                            </a:rPr>
-                          </m:ctrlPr>
-                        </m:dPr>
-                        <m:e>
-                          <m:r>
-                            <a:rPr lang="es-ES" sz="2800" b="0" i="1" smtClean="0">
-                              <a:latin typeface="Cambria Math" panose="02040503050406030204" pitchFamily="18" charset="0"/>
-                              <a:cs typeface="Adobe Arabic" panose="02040503050201020203" pitchFamily="18" charset="-78"/>
-                            </a:rPr>
-                            <m:t>𝑥</m:t>
-                          </m:r>
-                        </m:e>
-                      </m:d>
-                      <m:r>
-                        <a:rPr lang="es-ES" sz="2800" b="0" i="1" smtClean="0">
-                          <a:latin typeface="Cambria Math" panose="02040503050406030204" pitchFamily="18" charset="0"/>
-                          <a:cs typeface="Adobe Arabic" panose="02040503050201020203" pitchFamily="18" charset="-78"/>
-                        </a:rPr>
-                        <m:t>=</m:t>
-                      </m:r>
-                      <m:r>
-                        <a:rPr lang="es-ES" sz="2800" b="0" i="1" smtClean="0">
-                          <a:latin typeface="Cambria Math" panose="02040503050406030204" pitchFamily="18" charset="0"/>
-                          <a:cs typeface="Adobe Arabic" panose="02040503050201020203" pitchFamily="18" charset="-78"/>
-                        </a:rPr>
-                        <m:t>𝑥</m:t>
-                      </m:r>
                     </m:oMath>
                   </m:oMathPara>
                 </a14:m>
-                <a:br>
-                  <a:rPr lang="es-ES" sz="2800" dirty="0">
-                    <a:cs typeface="Adobe Arabic" panose="02040503050201020203" pitchFamily="18" charset="-78"/>
-                  </a:rPr>
-                </a:br>
-                <a:endParaRPr lang="es-ES" b="0" dirty="0">
-                  <a:cs typeface="Adobe Arabic" panose="02040503050201020203" pitchFamily="18" charset="-78"/>
-                </a:endParaRPr>
+                <a:endParaRPr lang="es-ES" b="0" i="1" dirty="0"/>
+              </a:p>
+              <a:p>
+                <a:r>
+                  <a:rPr lang="es-ES" dirty="0"/>
+                  <a:t>Se analizarán y explicarán tres de los contrastes utilizados.</a:t>
+                </a:r>
               </a:p>
             </p:txBody>
           </p:sp>
         </mc:Choice>
-        <mc:Fallback xmlns="">
+        <mc:Fallback>
           <p:sp>
             <p:nvSpPr>
-              <p:cNvPr id="6" name="Marcador de contenido 5">
+              <p:cNvPr id="4" name="Marcador de contenido 3">
                 <a:extLst>
                   <a:ext uri="{FF2B5EF4-FFF2-40B4-BE49-F238E27FC236}">
-                    <a16:creationId xmlns:a16="http://schemas.microsoft.com/office/drawing/2014/main" id="{FA831DB7-E5AB-41D9-A7CE-A8DCB00F9E69}"/>
+                    <a16:creationId xmlns:a16="http://schemas.microsoft.com/office/drawing/2014/main" id="{AB1515C5-604E-4A78-9800-F0C781003B2B}"/>
                   </a:ext>
                 </a:extLst>
               </p:cNvPr>
@@ -9097,13 +10061,13 @@
             </p:nvSpPr>
             <p:spPr>
               <a:xfrm>
-                <a:off x="838200" y="1201614"/>
-                <a:ext cx="10515600" cy="4975349"/>
+                <a:off x="838199" y="1820601"/>
+                <a:ext cx="10515600" cy="4351338"/>
               </a:xfrm>
               <a:blipFill>
                 <a:blip r:embed="rId3"/>
                 <a:stretch>
-                  <a:fillRect/>
+                  <a:fillRect l="-986" t="-2525"/>
                 </a:stretch>
               </a:blipFill>
             </p:spPr>
@@ -9124,10 +10088,10 @@
       </mc:AlternateContent>
       <p:sp>
         <p:nvSpPr>
-          <p:cNvPr id="10" name="Marcador de número de diapositiva 8">
+          <p:cNvPr id="11" name="Marcador de número de diapositiva 8">
             <a:extLst>
               <a:ext uri="{FF2B5EF4-FFF2-40B4-BE49-F238E27FC236}">
-                <a16:creationId xmlns:a16="http://schemas.microsoft.com/office/drawing/2014/main" id="{0C395B7E-786F-4E3B-B7C3-9DC12D1E6C4A}"/>
+                <a16:creationId xmlns:a16="http://schemas.microsoft.com/office/drawing/2014/main" id="{CB0E488F-FF7C-44CF-9DDC-F2DAE220193E}"/>
               </a:ext>
             </a:extLst>
           </p:cNvPr>
@@ -9252,76 +10216,16 @@
             </a:fld>
             <a:r>
               <a:rPr lang="es-ES" sz="1800" dirty="0"/>
-              <a:t>/16</a:t>
+              <a:t>/17</a:t>
             </a:r>
             <a:endParaRPr lang="es-ES" dirty="0"/>
           </a:p>
         </p:txBody>
       </p:sp>
-      <p:pic>
-        <p:nvPicPr>
-          <p:cNvPr id="14" name="Imagen 13">
-            <a:extLst>
-              <a:ext uri="{FF2B5EF4-FFF2-40B4-BE49-F238E27FC236}">
-                <a16:creationId xmlns:a16="http://schemas.microsoft.com/office/drawing/2014/main" id="{C18108B4-B3A2-48CC-A769-CF965CFC6A92}"/>
-              </a:ext>
-            </a:extLst>
-          </p:cNvPr>
-          <p:cNvPicPr>
-            <a:picLocks noChangeAspect="1"/>
-          </p:cNvPicPr>
-          <p:nvPr/>
-        </p:nvPicPr>
-        <p:blipFill>
-          <a:blip r:embed="rId4"/>
-          <a:stretch>
-            <a:fillRect/>
-          </a:stretch>
-        </p:blipFill>
-        <p:spPr>
-          <a:xfrm>
-            <a:off x="6016522" y="2612854"/>
-            <a:ext cx="4458086" cy="2770110"/>
-          </a:xfrm>
-          <a:prstGeom prst="rect">
-            <a:avLst/>
-          </a:prstGeom>
-        </p:spPr>
-      </p:pic>
-      <p:pic>
-        <p:nvPicPr>
-          <p:cNvPr id="16" name="Imagen 15">
-            <a:extLst>
-              <a:ext uri="{FF2B5EF4-FFF2-40B4-BE49-F238E27FC236}">
-                <a16:creationId xmlns:a16="http://schemas.microsoft.com/office/drawing/2014/main" id="{12A674C6-77A9-4CD5-8E15-596BAB1763E9}"/>
-              </a:ext>
-            </a:extLst>
-          </p:cNvPr>
-          <p:cNvPicPr>
-            <a:picLocks noChangeAspect="1"/>
-          </p:cNvPicPr>
-          <p:nvPr/>
-        </p:nvPicPr>
-        <p:blipFill>
-          <a:blip r:embed="rId5"/>
-          <a:stretch>
-            <a:fillRect/>
-          </a:stretch>
-        </p:blipFill>
-        <p:spPr>
-          <a:xfrm>
-            <a:off x="947546" y="2313759"/>
-            <a:ext cx="4400931" cy="2751058"/>
-          </a:xfrm>
-          <a:prstGeom prst="rect">
-            <a:avLst/>
-          </a:prstGeom>
-        </p:spPr>
-      </p:pic>
     </p:spTree>
     <p:extLst>
       <p:ext uri="{BB962C8B-B14F-4D97-AF65-F5344CB8AC3E}">
-        <p14:creationId xmlns:p14="http://schemas.microsoft.com/office/powerpoint/2010/main" val="49552990"/>
+        <p14:creationId xmlns:p14="http://schemas.microsoft.com/office/powerpoint/2010/main" val="1489971375"/>
       </p:ext>
     </p:extLst>
   </p:cSld>
@@ -9332,6 +10236,142 @@
 </file>
 
 <file path=ppt/slides/slide4.xml><?xml version="1.0" encoding="utf-8"?>
+<p:sld xmlns:a="http://schemas.openxmlformats.org/drawingml/2006/main" xmlns:r="http://schemas.openxmlformats.org/officeDocument/2006/relationships" xmlns:p="http://schemas.openxmlformats.org/presentationml/2006/main">
+  <p:cSld>
+    <p:spTree>
+      <p:nvGrpSpPr>
+        <p:cNvPr id="1" name=""/>
+        <p:cNvGrpSpPr/>
+        <p:nvPr/>
+      </p:nvGrpSpPr>
+      <p:grpSpPr>
+        <a:xfrm>
+          <a:off x="0" y="0"/>
+          <a:ext cx="0" cy="0"/>
+          <a:chOff x="0" y="0"/>
+          <a:chExt cx="0" cy="0"/>
+        </a:xfrm>
+      </p:grpSpPr>
+      <p:sp>
+        <p:nvSpPr>
+          <p:cNvPr id="2" name="Título 1">
+            <a:extLst>
+              <a:ext uri="{FF2B5EF4-FFF2-40B4-BE49-F238E27FC236}">
+                <a16:creationId xmlns:a16="http://schemas.microsoft.com/office/drawing/2014/main" id="{EA518FEC-CFFC-4EA8-8C05-0E08F8B39945}"/>
+              </a:ext>
+            </a:extLst>
+          </p:cNvPr>
+          <p:cNvSpPr>
+            <a:spLocks noGrp="1"/>
+          </p:cNvSpPr>
+          <p:nvPr>
+            <p:ph type="title"/>
+          </p:nvPr>
+        </p:nvSpPr>
+        <p:spPr>
+          <a:xfrm>
+            <a:off x="838200" y="2766219"/>
+            <a:ext cx="10515600" cy="1325563"/>
+          </a:xfrm>
+        </p:spPr>
+        <p:txBody>
+          <a:bodyPr/>
+          <a:lstStyle/>
+          <a:p>
+            <a:pPr algn="ctr"/>
+            <a:r>
+              <a:rPr lang="es-ES" dirty="0"/>
+              <a:t>Resultados de la Batería</a:t>
+            </a:r>
+          </a:p>
+        </p:txBody>
+      </p:sp>
+      <p:pic>
+        <p:nvPicPr>
+          <p:cNvPr id="3" name="图片 7">
+            <a:extLst>
+              <a:ext uri="{FF2B5EF4-FFF2-40B4-BE49-F238E27FC236}">
+                <a16:creationId xmlns:a16="http://schemas.microsoft.com/office/drawing/2014/main" id="{0B4C581F-000C-4CA0-82F9-832ED2083BA5}"/>
+              </a:ext>
+            </a:extLst>
+          </p:cNvPr>
+          <p:cNvPicPr>
+            <a:picLocks noChangeAspect="1"/>
+          </p:cNvPicPr>
+          <p:nvPr/>
+        </p:nvPicPr>
+        <p:blipFill>
+          <a:blip r:embed="rId2">
+            <a:extLst>
+              <a:ext uri="{28A0092B-C50C-407E-A947-70E740481C1C}">
+                <a14:useLocalDpi xmlns:a14="http://schemas.microsoft.com/office/drawing/2010/main" val="0"/>
+              </a:ext>
+            </a:extLst>
+          </a:blip>
+          <a:stretch>
+            <a:fillRect/>
+          </a:stretch>
+        </p:blipFill>
+        <p:spPr>
+          <a:xfrm>
+            <a:off x="188594" y="5488341"/>
+            <a:ext cx="2969765" cy="1378948"/>
+          </a:xfrm>
+          <a:prstGeom prst="rect">
+            <a:avLst/>
+          </a:prstGeom>
+        </p:spPr>
+      </p:pic>
+      <p:pic>
+        <p:nvPicPr>
+          <p:cNvPr id="4" name="图片 10">
+            <a:extLst>
+              <a:ext uri="{FF2B5EF4-FFF2-40B4-BE49-F238E27FC236}">
+                <a16:creationId xmlns:a16="http://schemas.microsoft.com/office/drawing/2014/main" id="{642087F2-E43F-42AF-A0B8-65F7A92E7E8A}"/>
+              </a:ext>
+            </a:extLst>
+          </p:cNvPr>
+          <p:cNvPicPr>
+            <a:picLocks noChangeAspect="1"/>
+          </p:cNvPicPr>
+          <p:nvPr/>
+        </p:nvPicPr>
+        <p:blipFill>
+          <a:blip r:embed="rId3">
+            <a:extLst>
+              <a:ext uri="{28A0092B-C50C-407E-A947-70E740481C1C}">
+                <a14:useLocalDpi xmlns:a14="http://schemas.microsoft.com/office/drawing/2010/main" val="0"/>
+              </a:ext>
+            </a:extLst>
+          </a:blip>
+          <a:stretch>
+            <a:fillRect/>
+          </a:stretch>
+        </p:blipFill>
+        <p:spPr>
+          <a:xfrm>
+            <a:off x="9657275" y="5488340"/>
+            <a:ext cx="2231136" cy="1229703"/>
+          </a:xfrm>
+          <a:prstGeom prst="rect">
+            <a:avLst/>
+          </a:prstGeom>
+        </p:spPr>
+      </p:pic>
+    </p:spTree>
+    <p:extLst>
+      <p:ext uri="{BB962C8B-B14F-4D97-AF65-F5344CB8AC3E}">
+        <p14:creationId xmlns:p14="http://schemas.microsoft.com/office/powerpoint/2010/main" val="2284980133"/>
+      </p:ext>
+    </p:extLst>
+  </p:cSld>
+  <p:clrMapOvr>
+    <a:masterClrMapping/>
+  </p:clrMapOvr>
+</p:sld>
+</file>
+
+<file path=ppt/slides/slide5.xml><?xml version="1.0" encoding="utf-8"?>
 <p:sld xmlns:a="http://schemas.openxmlformats.org/drawingml/2006/main" xmlns:r="http://schemas.openxmlformats.org/officeDocument/2006/relationships" xmlns:p="http://schemas.openxmlformats.org/presentationml/2006/main">
   <p:cSld>
     <p:spTree>
@@ -9366,13 +10406,13 @@
         </p:nvSpPr>
         <p:spPr>
           <a:xfrm>
-            <a:off x="683423" y="122301"/>
-            <a:ext cx="9703489" cy="657480"/>
+            <a:off x="538339" y="48401"/>
+            <a:ext cx="10504990" cy="965964"/>
           </a:xfrm>
         </p:spPr>
         <p:txBody>
           <a:bodyPr>
-            <a:normAutofit fontScale="90000"/>
+            <a:normAutofit/>
           </a:bodyPr>
           <a:lstStyle/>
           <a:p>
@@ -9382,7 +10422,7 @@
                   <a:srgbClr val="0070C0"/>
                 </a:solidFill>
               </a:rPr>
-              <a:t>Repaso. Test de Kolmogorov-Smirnov</a:t>
+              <a:t>Resultados de la Batería</a:t>
             </a:r>
           </a:p>
         </p:txBody>
@@ -9430,221 +10470,362 @@
           </a:p>
         </p:txBody>
       </p:sp>
-      <mc:AlternateContent xmlns:mc="http://schemas.openxmlformats.org/markup-compatibility/2006" xmlns:a14="http://schemas.microsoft.com/office/drawing/2010/main">
-        <mc:Choice Requires="a14">
-          <p:sp>
-            <p:nvSpPr>
-              <p:cNvPr id="6" name="Marcador de contenido 5">
-                <a:extLst>
-                  <a:ext uri="{FF2B5EF4-FFF2-40B4-BE49-F238E27FC236}">
-                    <a16:creationId xmlns:a16="http://schemas.microsoft.com/office/drawing/2014/main" id="{FA831DB7-E5AB-41D9-A7CE-A8DCB00F9E69}"/>
-                  </a:ext>
-                </a:extLst>
-              </p:cNvPr>
-              <p:cNvSpPr>
-                <a:spLocks noGrp="1"/>
-              </p:cNvSpPr>
-              <p:nvPr>
-                <p:ph idx="1"/>
-              </p:nvPr>
-            </p:nvSpPr>
-            <p:spPr>
-              <a:xfrm>
-                <a:off x="858025" y="893643"/>
-                <a:ext cx="10515600" cy="4351338"/>
-              </a:xfrm>
-            </p:spPr>
-            <p:txBody>
-              <a:bodyPr>
-                <a:normAutofit/>
-              </a:bodyPr>
-              <a:lstStyle/>
-              <a:p>
-                <a:pPr marL="457200" lvl="1" indent="0">
-                  <a:buNone/>
-                </a:pPr>
-                <a:r>
-                  <a:rPr lang="es-ES" sz="2800" dirty="0">
-                    <a:cs typeface="Adobe Arabic" panose="02040503050201020203" pitchFamily="18" charset="-78"/>
-                  </a:rPr>
-                  <a:t>Dada una muestra, comprobar si su CDF (estimación empírica) se ajusta a la de una determinada </a:t>
-                </a:r>
-                <a14:m>
-                  <m:oMath xmlns:m="http://schemas.openxmlformats.org/officeDocument/2006/math">
-                    <m:sSub>
-                      <m:sSubPr>
-                        <m:ctrlPr>
-                          <a:rPr lang="es-ES" sz="2800" b="0" i="1" smtClean="0">
-                            <a:latin typeface="Cambria Math" panose="02040503050406030204" pitchFamily="18" charset="0"/>
-                            <a:cs typeface="Adobe Arabic" panose="02040503050201020203" pitchFamily="18" charset="-78"/>
-                          </a:rPr>
-                        </m:ctrlPr>
-                      </m:sSubPr>
-                      <m:e>
-                        <m:r>
-                          <a:rPr lang="es-ES" sz="2800" b="0" i="1" smtClean="0">
-                            <a:latin typeface="Cambria Math" panose="02040503050406030204" pitchFamily="18" charset="0"/>
-                            <a:cs typeface="Adobe Arabic" panose="02040503050201020203" pitchFamily="18" charset="-78"/>
-                          </a:rPr>
-                          <m:t>𝐹</m:t>
-                        </m:r>
-                      </m:e>
-                      <m:sub>
-                        <m:r>
-                          <a:rPr lang="es-ES" sz="2800" b="0" i="1" smtClean="0">
-                            <a:latin typeface="Cambria Math" panose="02040503050406030204" pitchFamily="18" charset="0"/>
-                            <a:cs typeface="Adobe Arabic" panose="02040503050201020203" pitchFamily="18" charset="-78"/>
-                          </a:rPr>
-                          <m:t>0</m:t>
-                        </m:r>
-                      </m:sub>
-                    </m:sSub>
-                  </m:oMath>
-                </a14:m>
-                <a:r>
-                  <a:rPr lang="es-ES" sz="2800" dirty="0">
-                    <a:cs typeface="Adobe Arabic" panose="02040503050201020203" pitchFamily="18" charset="-78"/>
-                  </a:rPr>
-                  <a:t>, observando la distancia máxima entre ambas. Lo podemos usar con </a:t>
-                </a:r>
-                <a14:m>
-                  <m:oMath xmlns:m="http://schemas.openxmlformats.org/officeDocument/2006/math">
-                    <m:sSub>
-                      <m:sSubPr>
-                        <m:ctrlPr>
-                          <a:rPr lang="es-ES" sz="2800" i="1">
-                            <a:latin typeface="Cambria Math" panose="02040503050406030204" pitchFamily="18" charset="0"/>
-                            <a:cs typeface="Adobe Arabic" panose="02040503050201020203" pitchFamily="18" charset="-78"/>
-                          </a:rPr>
-                        </m:ctrlPr>
-                      </m:sSubPr>
-                      <m:e>
-                        <m:r>
-                          <a:rPr lang="es-ES" sz="2800" i="1">
-                            <a:latin typeface="Cambria Math" panose="02040503050406030204" pitchFamily="18" charset="0"/>
-                            <a:cs typeface="Adobe Arabic" panose="02040503050201020203" pitchFamily="18" charset="-78"/>
-                          </a:rPr>
-                          <m:t>𝐹</m:t>
-                        </m:r>
-                      </m:e>
-                      <m:sub>
-                        <m:r>
-                          <a:rPr lang="es-ES" sz="2800" i="1">
-                            <a:latin typeface="Cambria Math" panose="02040503050406030204" pitchFamily="18" charset="0"/>
-                            <a:cs typeface="Adobe Arabic" panose="02040503050201020203" pitchFamily="18" charset="-78"/>
-                          </a:rPr>
-                          <m:t>0</m:t>
-                        </m:r>
-                      </m:sub>
-                    </m:sSub>
-                    <m:d>
-                      <m:dPr>
-                        <m:ctrlPr>
-                          <a:rPr lang="es-ES" sz="2800" b="0" i="1" smtClean="0">
-                            <a:latin typeface="Cambria Math" panose="02040503050406030204" pitchFamily="18" charset="0"/>
-                            <a:cs typeface="Adobe Arabic" panose="02040503050201020203" pitchFamily="18" charset="-78"/>
-                          </a:rPr>
-                        </m:ctrlPr>
-                      </m:dPr>
-                      <m:e>
-                        <m:r>
-                          <a:rPr lang="es-ES" sz="2800" b="0" i="1" smtClean="0">
-                            <a:latin typeface="Cambria Math" panose="02040503050406030204" pitchFamily="18" charset="0"/>
-                            <a:cs typeface="Adobe Arabic" panose="02040503050201020203" pitchFamily="18" charset="-78"/>
-                          </a:rPr>
-                          <m:t>𝑥</m:t>
-                        </m:r>
-                      </m:e>
-                    </m:d>
-                    <m:r>
-                      <a:rPr lang="es-ES" sz="2800" b="0" i="1" smtClean="0">
-                        <a:latin typeface="Cambria Math" panose="02040503050406030204" pitchFamily="18" charset="0"/>
-                        <a:cs typeface="Adobe Arabic" panose="02040503050201020203" pitchFamily="18" charset="-78"/>
-                      </a:rPr>
-                      <m:t>=</m:t>
-                    </m:r>
-                    <m:r>
-                      <a:rPr lang="es-ES" sz="2800" b="0" i="1" smtClean="0">
-                        <a:latin typeface="Cambria Math" panose="02040503050406030204" pitchFamily="18" charset="0"/>
-                        <a:cs typeface="Adobe Arabic" panose="02040503050201020203" pitchFamily="18" charset="-78"/>
-                      </a:rPr>
-                      <m:t>𝑥</m:t>
-                    </m:r>
-                  </m:oMath>
-                </a14:m>
-                <a:r>
-                  <a:rPr lang="es-ES" sz="2800" dirty="0">
-                    <a:cs typeface="Adobe Arabic" panose="02040503050201020203" pitchFamily="18" charset="-78"/>
-                  </a:rPr>
-                  <a:t> sobre toda la muestra aleatoria, pero no tiene valor como contraste.</a:t>
-                </a:r>
-                <a:br>
-                  <a:rPr lang="es-ES" sz="2800" dirty="0">
-                    <a:cs typeface="Adobe Arabic" panose="02040503050201020203" pitchFamily="18" charset="-78"/>
-                  </a:rPr>
-                </a:br>
-                <a:br>
-                  <a:rPr lang="es-ES" sz="2800" dirty="0">
-                    <a:cs typeface="Adobe Arabic" panose="02040503050201020203" pitchFamily="18" charset="-78"/>
-                  </a:rPr>
-                </a:br>
-                <a:endParaRPr lang="es-ES" b="0" dirty="0">
-                  <a:cs typeface="Adobe Arabic" panose="02040503050201020203" pitchFamily="18" charset="-78"/>
-                </a:endParaRPr>
-              </a:p>
-            </p:txBody>
-          </p:sp>
-        </mc:Choice>
-        <mc:Fallback xmlns="">
-          <p:sp>
-            <p:nvSpPr>
-              <p:cNvPr id="6" name="Marcador de contenido 5">
-                <a:extLst>
-                  <a:ext uri="{FF2B5EF4-FFF2-40B4-BE49-F238E27FC236}">
-                    <a16:creationId xmlns:a16="http://schemas.microsoft.com/office/drawing/2014/main" id="{FA831DB7-E5AB-41D9-A7CE-A8DCB00F9E69}"/>
-                  </a:ext>
-                </a:extLst>
-              </p:cNvPr>
-              <p:cNvSpPr>
-                <a:spLocks noGrp="1" noRot="1" noChangeAspect="1" noMove="1" noResize="1" noEditPoints="1" noAdjustHandles="1" noChangeArrowheads="1" noChangeShapeType="1" noTextEdit="1"/>
-              </p:cNvSpPr>
-              <p:nvPr>
-                <p:ph idx="1"/>
-              </p:nvPr>
-            </p:nvSpPr>
-            <p:spPr>
-              <a:xfrm>
-                <a:off x="858025" y="893643"/>
-                <a:ext cx="10515600" cy="4351338"/>
-              </a:xfrm>
-              <a:blipFill>
-                <a:blip r:embed="rId3"/>
-                <a:stretch>
-                  <a:fillRect t="-2525" r="-1043"/>
-                </a:stretch>
-              </a:blipFill>
-            </p:spPr>
-            <p:txBody>
-              <a:bodyPr/>
-              <a:lstStyle/>
-              <a:p>
-                <a:r>
-                  <a:rPr lang="es-ES">
-                    <a:noFill/>
-                  </a:rPr>
-                  <a:t> </a:t>
-                </a:r>
-              </a:p>
-            </p:txBody>
-          </p:sp>
-        </mc:Fallback>
-      </mc:AlternateContent>
       <p:sp>
         <p:nvSpPr>
-          <p:cNvPr id="16" name="Marcador de número de diapositiva 8">
+          <p:cNvPr id="4" name="Marcador de contenido 3">
             <a:extLst>
               <a:ext uri="{FF2B5EF4-FFF2-40B4-BE49-F238E27FC236}">
-                <a16:creationId xmlns:a16="http://schemas.microsoft.com/office/drawing/2014/main" id="{D2A73743-C1D8-474B-B843-93AD46E0BC71}"/>
+                <a16:creationId xmlns:a16="http://schemas.microsoft.com/office/drawing/2014/main" id="{AB1515C5-604E-4A78-9800-F0C781003B2B}"/>
+              </a:ext>
+            </a:extLst>
+          </p:cNvPr>
+          <p:cNvSpPr>
+            <a:spLocks noGrp="1"/>
+          </p:cNvSpPr>
+          <p:nvPr>
+            <p:ph idx="1"/>
+          </p:nvPr>
+        </p:nvSpPr>
+        <p:spPr>
+          <a:xfrm>
+            <a:off x="732691" y="922164"/>
+            <a:ext cx="10515600" cy="1440089"/>
+          </a:xfrm>
+        </p:spPr>
+        <p:txBody>
+          <a:bodyPr>
+            <a:normAutofit fontScale="92500" lnSpcReduction="10000"/>
+          </a:bodyPr>
+          <a:lstStyle/>
+          <a:p>
+            <a:r>
+              <a:rPr lang="es-ES" dirty="0"/>
+              <a:t>Tras configurar el generador de números aleatorios en la librería, se ha ejecutado la batería de contrastes </a:t>
+            </a:r>
+            <a:r>
+              <a:rPr lang="es-ES" i="1" dirty="0"/>
+              <a:t>Small </a:t>
+            </a:r>
+            <a:r>
+              <a:rPr lang="es-ES" i="1" dirty="0" err="1"/>
+              <a:t>Crush</a:t>
+            </a:r>
+            <a:r>
+              <a:rPr lang="es-ES" dirty="0"/>
+              <a:t>, que contiene 15 </a:t>
+            </a:r>
+            <a:r>
+              <a:rPr lang="es-ES" dirty="0" err="1"/>
+              <a:t>tests</a:t>
+            </a:r>
+            <a:r>
+              <a:rPr lang="es-ES" dirty="0"/>
+              <a:t> (10 contrastes distintos y variantes). </a:t>
+            </a:r>
+            <a:r>
+              <a:rPr lang="es-ES" b="1" dirty="0"/>
+              <a:t>Tres contrastes rechazan el generador y serán los analizados.</a:t>
+            </a:r>
+            <a:endParaRPr lang="es-ES" dirty="0"/>
+          </a:p>
+          <a:p>
+            <a:endParaRPr lang="es-ES" dirty="0"/>
+          </a:p>
+        </p:txBody>
+      </p:sp>
+      <p:sp>
+        <p:nvSpPr>
+          <p:cNvPr id="3" name="CuadroTexto 2">
+            <a:extLst>
+              <a:ext uri="{FF2B5EF4-FFF2-40B4-BE49-F238E27FC236}">
+                <a16:creationId xmlns:a16="http://schemas.microsoft.com/office/drawing/2014/main" id="{5319E85B-D202-4532-A2E5-72FAA141DD29}"/>
+              </a:ext>
+            </a:extLst>
+          </p:cNvPr>
+          <p:cNvSpPr txBox="1"/>
+          <p:nvPr/>
+        </p:nvSpPr>
+        <p:spPr>
+          <a:xfrm>
+            <a:off x="1014885" y="2362253"/>
+            <a:ext cx="9224387" cy="4154984"/>
+          </a:xfrm>
+          <a:prstGeom prst="rect">
+            <a:avLst/>
+          </a:prstGeom>
+          <a:ln/>
+        </p:spPr>
+        <p:style>
+          <a:lnRef idx="2">
+            <a:schemeClr val="dk1"/>
+          </a:lnRef>
+          <a:fillRef idx="1">
+            <a:schemeClr val="lt1"/>
+          </a:fillRef>
+          <a:effectRef idx="0">
+            <a:schemeClr val="dk1"/>
+          </a:effectRef>
+          <a:fontRef idx="minor">
+            <a:schemeClr val="dk1"/>
+          </a:fontRef>
+        </p:style>
+        <p:txBody>
+          <a:bodyPr wrap="square" rtlCol="0">
+            <a:spAutoFit/>
+          </a:bodyPr>
+          <a:lstStyle/>
+          <a:p>
+            <a:r>
+              <a:rPr lang="es-ES" sz="2000" i="1" dirty="0"/>
+              <a:t> </a:t>
+            </a:r>
+            <a:r>
+              <a:rPr lang="es-ES" sz="2400" i="1" dirty="0" err="1"/>
+              <a:t>The</a:t>
+            </a:r>
+            <a:r>
+              <a:rPr lang="es-ES" sz="2400" i="1" dirty="0"/>
+              <a:t> </a:t>
+            </a:r>
+            <a:r>
+              <a:rPr lang="es-ES" sz="2400" i="1" dirty="0" err="1"/>
+              <a:t>following</a:t>
+            </a:r>
+            <a:r>
+              <a:rPr lang="es-ES" sz="2400" i="1" dirty="0"/>
+              <a:t> </a:t>
+            </a:r>
+            <a:r>
+              <a:rPr lang="es-ES" sz="2400" i="1" dirty="0" err="1"/>
+              <a:t>tests</a:t>
+            </a:r>
+            <a:r>
+              <a:rPr lang="es-ES" sz="2400" i="1" dirty="0"/>
+              <a:t> </a:t>
+            </a:r>
+            <a:r>
+              <a:rPr lang="es-ES" sz="2400" i="1" dirty="0" err="1"/>
+              <a:t>gave</a:t>
+            </a:r>
+            <a:r>
+              <a:rPr lang="es-ES" sz="2400" i="1" dirty="0"/>
+              <a:t> p-</a:t>
+            </a:r>
+            <a:r>
+              <a:rPr lang="es-ES" sz="2400" i="1" dirty="0" err="1"/>
+              <a:t>values</a:t>
+            </a:r>
+            <a:r>
+              <a:rPr lang="es-ES" sz="2400" i="1" dirty="0"/>
+              <a:t> </a:t>
+            </a:r>
+            <a:r>
+              <a:rPr lang="es-ES" sz="2400" i="1" dirty="0" err="1"/>
+              <a:t>outside</a:t>
+            </a:r>
+            <a:r>
+              <a:rPr lang="es-ES" sz="2400" i="1" dirty="0"/>
+              <a:t> [0.001, 0.9990]:</a:t>
+            </a:r>
+          </a:p>
+          <a:p>
+            <a:r>
+              <a:rPr lang="es-ES" sz="2400" i="1" dirty="0"/>
+              <a:t> (</a:t>
+            </a:r>
+            <a:r>
+              <a:rPr lang="es-ES" sz="2400" i="1" dirty="0" err="1"/>
+              <a:t>eps</a:t>
+            </a:r>
+            <a:r>
+              <a:rPr lang="es-ES" sz="2400" i="1" dirty="0"/>
+              <a:t>  </a:t>
+            </a:r>
+            <a:r>
+              <a:rPr lang="es-ES" sz="2400" i="1" dirty="0" err="1"/>
+              <a:t>means</a:t>
+            </a:r>
+            <a:r>
+              <a:rPr lang="es-ES" sz="2400" i="1" dirty="0"/>
+              <a:t> a </a:t>
+            </a:r>
+            <a:r>
+              <a:rPr lang="es-ES" sz="2400" i="1" dirty="0" err="1"/>
+              <a:t>value</a:t>
+            </a:r>
+            <a:r>
+              <a:rPr lang="es-ES" sz="2400" i="1" dirty="0"/>
+              <a:t> &lt; 1.0e-300):</a:t>
+            </a:r>
+          </a:p>
+          <a:p>
+            <a:r>
+              <a:rPr lang="es-ES" sz="2400" i="1" dirty="0"/>
+              <a:t> (eps1 </a:t>
+            </a:r>
+            <a:r>
+              <a:rPr lang="es-ES" sz="2400" i="1" dirty="0" err="1"/>
+              <a:t>means</a:t>
+            </a:r>
+            <a:r>
+              <a:rPr lang="es-ES" sz="2400" i="1" dirty="0"/>
+              <a:t> a </a:t>
+            </a:r>
+            <a:r>
+              <a:rPr lang="es-ES" sz="2400" i="1" dirty="0" err="1"/>
+              <a:t>value</a:t>
+            </a:r>
+            <a:r>
+              <a:rPr lang="es-ES" sz="2400" i="1" dirty="0"/>
+              <a:t> &lt; 1.0e-15):</a:t>
+            </a:r>
+          </a:p>
+          <a:p>
+            <a:endParaRPr lang="es-ES" sz="2400" i="1" dirty="0"/>
+          </a:p>
+          <a:p>
+            <a:r>
+              <a:rPr lang="es-ES" sz="2400" i="1" dirty="0"/>
+              <a:t>       Test                          p-</a:t>
+            </a:r>
+            <a:r>
+              <a:rPr lang="es-ES" sz="2400" i="1" dirty="0" err="1"/>
+              <a:t>value</a:t>
+            </a:r>
+            <a:endParaRPr lang="es-ES" sz="2400" i="1" dirty="0"/>
+          </a:p>
+          <a:p>
+            <a:r>
+              <a:rPr lang="es-ES" sz="2400" i="1" dirty="0"/>
+              <a:t> ----------------------------------------------</a:t>
+            </a:r>
+          </a:p>
+          <a:p>
+            <a:r>
+              <a:rPr lang="es-ES" sz="2400" i="1" dirty="0"/>
+              <a:t>  1  </a:t>
+            </a:r>
+            <a:r>
+              <a:rPr lang="es-ES" sz="2400" b="1" i="1" dirty="0" err="1"/>
+              <a:t>BirthdaySpacings</a:t>
+            </a:r>
+            <a:r>
+              <a:rPr lang="es-ES" sz="2400" i="1" dirty="0"/>
+              <a:t>                   </a:t>
+            </a:r>
+            <a:r>
+              <a:rPr lang="es-ES" sz="2400" i="1" dirty="0" err="1"/>
+              <a:t>eps</a:t>
+            </a:r>
+            <a:r>
+              <a:rPr lang="es-ES" sz="2400" i="1" dirty="0"/>
+              <a:t>  </a:t>
+            </a:r>
+          </a:p>
+          <a:p>
+            <a:r>
+              <a:rPr lang="es-ES" sz="2400" i="1" dirty="0"/>
+              <a:t>  2  </a:t>
+            </a:r>
+            <a:r>
+              <a:rPr lang="es-ES" sz="2400" b="1" i="1" dirty="0" err="1"/>
+              <a:t>Collision</a:t>
+            </a:r>
+            <a:r>
+              <a:rPr lang="es-ES" sz="2400" i="1" dirty="0"/>
+              <a:t>                               </a:t>
+            </a:r>
+            <a:r>
+              <a:rPr lang="es-ES" sz="2400" i="1" dirty="0" err="1"/>
+              <a:t>eps</a:t>
+            </a:r>
+            <a:r>
+              <a:rPr lang="es-ES" sz="2400" i="1" dirty="0"/>
+              <a:t>  </a:t>
+            </a:r>
+          </a:p>
+          <a:p>
+            <a:r>
+              <a:rPr lang="es-ES" sz="2400" i="1" dirty="0"/>
+              <a:t>  6  </a:t>
+            </a:r>
+            <a:r>
+              <a:rPr lang="es-ES" sz="2400" b="1" i="1" dirty="0" err="1"/>
+              <a:t>MaxOft</a:t>
+            </a:r>
+            <a:r>
+              <a:rPr lang="es-ES" sz="2400" i="1" dirty="0"/>
+              <a:t>                               </a:t>
+            </a:r>
+            <a:r>
+              <a:rPr lang="es-ES" sz="2400" i="1" dirty="0" err="1"/>
+              <a:t>eps</a:t>
+            </a:r>
+            <a:r>
+              <a:rPr lang="es-ES" sz="2400" i="1" dirty="0"/>
+              <a:t>  </a:t>
+            </a:r>
+          </a:p>
+          <a:p>
+            <a:r>
+              <a:rPr lang="es-ES" sz="2400" i="1" dirty="0"/>
+              <a:t> ----------------------------------------------</a:t>
+            </a:r>
+          </a:p>
+          <a:p>
+            <a:r>
+              <a:rPr lang="es-ES" sz="2400" i="1" dirty="0"/>
+              <a:t> </a:t>
+            </a:r>
+            <a:r>
+              <a:rPr lang="es-ES" sz="2400" i="1" dirty="0" err="1"/>
+              <a:t>All</a:t>
+            </a:r>
+            <a:r>
+              <a:rPr lang="es-ES" sz="2400" i="1" dirty="0"/>
+              <a:t> </a:t>
+            </a:r>
+            <a:r>
+              <a:rPr lang="es-ES" sz="2400" i="1" dirty="0" err="1"/>
+              <a:t>other</a:t>
+            </a:r>
+            <a:r>
+              <a:rPr lang="es-ES" sz="2400" i="1" dirty="0"/>
+              <a:t> </a:t>
+            </a:r>
+            <a:r>
+              <a:rPr lang="es-ES" sz="2400" i="1" dirty="0" err="1"/>
+              <a:t>tests</a:t>
+            </a:r>
+            <a:r>
+              <a:rPr lang="es-ES" sz="2400" i="1" dirty="0"/>
+              <a:t> </a:t>
+            </a:r>
+            <a:r>
+              <a:rPr lang="es-ES" sz="2400" i="1" dirty="0" err="1"/>
+              <a:t>were</a:t>
+            </a:r>
+            <a:r>
+              <a:rPr lang="es-ES" sz="2400" i="1" dirty="0"/>
+              <a:t> </a:t>
+            </a:r>
+            <a:r>
+              <a:rPr lang="es-ES" sz="2400" i="1" dirty="0" err="1"/>
+              <a:t>passed</a:t>
+            </a:r>
+            <a:r>
+              <a:rPr lang="es-ES" sz="2400" i="1" dirty="0"/>
+              <a:t> </a:t>
+            </a:r>
+          </a:p>
+        </p:txBody>
+      </p:sp>
+      <p:sp>
+        <p:nvSpPr>
+          <p:cNvPr id="8" name="Marcador de número de diapositiva 8">
+            <a:extLst>
+              <a:ext uri="{FF2B5EF4-FFF2-40B4-BE49-F238E27FC236}">
+                <a16:creationId xmlns:a16="http://schemas.microsoft.com/office/drawing/2014/main" id="{4FB67751-422C-4FEB-9BC8-C1F8B933E81B}"/>
               </a:ext>
             </a:extLst>
           </p:cNvPr>
@@ -9765,50 +10946,20 @@
             <a:fld id="{034A2469-CE07-4E21-88F9-8436BB41227F}" type="slidenum">
               <a:rPr lang="es-ES" sz="1800" smtClean="0"/>
               <a:pPr/>
-              <a:t>4</a:t>
+              <a:t>5</a:t>
             </a:fld>
             <a:r>
               <a:rPr lang="es-ES" sz="1800" dirty="0"/>
-              <a:t>/16</a:t>
+              <a:t>/17</a:t>
             </a:r>
             <a:endParaRPr lang="es-ES" dirty="0"/>
           </a:p>
         </p:txBody>
       </p:sp>
-      <p:pic>
-        <p:nvPicPr>
-          <p:cNvPr id="9" name="Imagen 8">
-            <a:extLst>
-              <a:ext uri="{FF2B5EF4-FFF2-40B4-BE49-F238E27FC236}">
-                <a16:creationId xmlns:a16="http://schemas.microsoft.com/office/drawing/2014/main" id="{D4499270-E997-4A6F-93E3-042332E14A3A}"/>
-              </a:ext>
-            </a:extLst>
-          </p:cNvPr>
-          <p:cNvPicPr>
-            <a:picLocks noChangeAspect="1"/>
-          </p:cNvPicPr>
-          <p:nvPr/>
-        </p:nvPicPr>
-        <p:blipFill>
-          <a:blip r:embed="rId4"/>
-          <a:stretch>
-            <a:fillRect/>
-          </a:stretch>
-        </p:blipFill>
-        <p:spPr>
-          <a:xfrm>
-            <a:off x="1593831" y="2614180"/>
-            <a:ext cx="9043987" cy="3597040"/>
-          </a:xfrm>
-          <a:prstGeom prst="rect">
-            <a:avLst/>
-          </a:prstGeom>
-        </p:spPr>
-      </p:pic>
     </p:spTree>
     <p:extLst>
       <p:ext uri="{BB962C8B-B14F-4D97-AF65-F5344CB8AC3E}">
-        <p14:creationId xmlns:p14="http://schemas.microsoft.com/office/powerpoint/2010/main" val="4204430594"/>
+        <p14:creationId xmlns:p14="http://schemas.microsoft.com/office/powerpoint/2010/main" val="1261748078"/>
       </p:ext>
     </p:extLst>
   </p:cSld>
@@ -9818,7 +10969,7 @@
 </p:sld>
 </file>
 
-<file path=ppt/slides/slide5.xml><?xml version="1.0" encoding="utf-8"?>
+<file path=ppt/slides/slide6.xml><?xml version="1.0" encoding="utf-8"?>
 <p:sld xmlns:a="http://schemas.openxmlformats.org/drawingml/2006/main" xmlns:r="http://schemas.openxmlformats.org/officeDocument/2006/relationships" xmlns:p="http://schemas.openxmlformats.org/presentationml/2006/main">
   <p:cSld>
     <p:spTree>
@@ -9959,7 +11110,7 @@
 </p:sld>
 </file>
 
-<file path=ppt/slides/slide6.xml><?xml version="1.0" encoding="utf-8"?>
+<file path=ppt/slides/slide7.xml><?xml version="1.0" encoding="utf-8"?>
 <p:sld xmlns:a="http://schemas.openxmlformats.org/drawingml/2006/main" xmlns:r="http://schemas.openxmlformats.org/officeDocument/2006/relationships" xmlns:p="http://schemas.openxmlformats.org/presentationml/2006/main">
   <p:cSld>
     <p:spTree>
@@ -9976,8 +11127,8 @@
           <a:chExt cx="0" cy="0"/>
         </a:xfrm>
       </p:grpSpPr>
-      <mc:AlternateContent xmlns:mc="http://schemas.openxmlformats.org/markup-compatibility/2006" xmlns:a14="http://schemas.microsoft.com/office/drawing/2010/main">
-        <mc:Choice Requires="a14">
+      <mc:AlternateContent xmlns:mc="http://schemas.openxmlformats.org/markup-compatibility/2006">
+        <mc:Choice xmlns:a14="http://schemas.microsoft.com/office/drawing/2010/main" Requires="a14">
           <p:sp>
             <p:nvSpPr>
               <p:cNvPr id="5" name="Marcador de contenido 4">
@@ -10341,7 +11492,19 @@
                         <a:rPr lang="es-ES" b="0" i="1" smtClean="0">
                           <a:latin typeface="Cambria Math" panose="02040503050406030204" pitchFamily="18" charset="0"/>
                         </a:rPr>
-                        <m:t>𝑐𝑜𝑙𝑖𝑠𝑖𝑜𝑛𝑠</m:t>
+                        <m:t>𝑐𝑜𝑙</m:t>
+                      </m:r>
+                      <m:r>
+                        <a:rPr lang="es-ES" b="0" i="1" smtClean="0">
+                          <a:latin typeface="Cambria Math" panose="02040503050406030204" pitchFamily="18" charset="0"/>
+                        </a:rPr>
+                        <m:t>𝑙</m:t>
+                      </m:r>
+                      <m:r>
+                        <a:rPr lang="es-ES" b="0" i="1" smtClean="0">
+                          <a:latin typeface="Cambria Math" panose="02040503050406030204" pitchFamily="18" charset="0"/>
+                        </a:rPr>
+                        <m:t>𝑖𝑠𝑖𝑜𝑛𝑠</m:t>
                       </m:r>
                       <m:r>
                         <a:rPr lang="es-ES" b="0" i="1" smtClean="0">
@@ -10643,7 +11806,19 @@
                       <a:rPr lang="es-ES" b="0" i="1" smtClean="0">
                         <a:latin typeface="Cambria Math" panose="02040503050406030204" pitchFamily="18" charset="0"/>
                       </a:rPr>
-                      <m:t>𝑐𝑜𝑙𝑖𝑠𝑖𝑜𝑛𝑠</m:t>
+                      <m:t>𝑐𝑜</m:t>
+                    </m:r>
+                    <m:r>
+                      <a:rPr lang="es-ES" b="0" i="1" smtClean="0">
+                        <a:latin typeface="Cambria Math" panose="02040503050406030204" pitchFamily="18" charset="0"/>
+                      </a:rPr>
+                      <m:t>𝑙</m:t>
+                    </m:r>
+                    <m:r>
+                      <a:rPr lang="es-ES" b="0" i="1" smtClean="0">
+                        <a:latin typeface="Cambria Math" panose="02040503050406030204" pitchFamily="18" charset="0"/>
+                      </a:rPr>
+                      <m:t>𝑙𝑖𝑠𝑖𝑜𝑛𝑠</m:t>
                     </m:r>
                     <m:r>
                       <a:rPr lang="es-ES" b="0" i="1" smtClean="0">
@@ -10991,7 +12166,7 @@
             </p:txBody>
           </p:sp>
         </mc:Choice>
-        <mc:Fallback xmlns="">
+        <mc:Fallback>
           <p:sp>
             <p:nvSpPr>
               <p:cNvPr id="5" name="Marcador de contenido 4">
@@ -11128,10 +12303,10 @@
       </p:sp>
       <p:sp>
         <p:nvSpPr>
-          <p:cNvPr id="8" name="Marcador de número de diapositiva 8">
+          <p:cNvPr id="6" name="Marcador de número de diapositiva 8">
             <a:extLst>
               <a:ext uri="{FF2B5EF4-FFF2-40B4-BE49-F238E27FC236}">
-                <a16:creationId xmlns:a16="http://schemas.microsoft.com/office/drawing/2014/main" id="{4294E73A-FBC9-44CB-8D34-255533F8750C}"/>
+                <a16:creationId xmlns:a16="http://schemas.microsoft.com/office/drawing/2014/main" id="{9C7457B7-6272-4706-9702-32967DCBC329}"/>
               </a:ext>
             </a:extLst>
           </p:cNvPr>
@@ -11252,11 +12427,11 @@
             <a:fld id="{034A2469-CE07-4E21-88F9-8436BB41227F}" type="slidenum">
               <a:rPr lang="es-ES" sz="1800" smtClean="0"/>
               <a:pPr/>
-              <a:t>6</a:t>
+              <a:t>7</a:t>
             </a:fld>
             <a:r>
               <a:rPr lang="es-ES" sz="1800" dirty="0"/>
-              <a:t>/16</a:t>
+              <a:t>/17</a:t>
             </a:r>
             <a:endParaRPr lang="es-ES" dirty="0"/>
           </a:p>
@@ -11275,7 +12450,7 @@
 </p:sld>
 </file>
 
-<file path=ppt/slides/slide7.xml><?xml version="1.0" encoding="utf-8"?>
+<file path=ppt/slides/slide8.xml><?xml version="1.0" encoding="utf-8"?>
 <p:sld xmlns:a="http://schemas.openxmlformats.org/drawingml/2006/main" xmlns:r="http://schemas.openxmlformats.org/officeDocument/2006/relationships" xmlns:p="http://schemas.openxmlformats.org/presentationml/2006/main">
   <p:cSld>
     <p:spTree>
@@ -11292,8 +12467,8 @@
           <a:chExt cx="0" cy="0"/>
         </a:xfrm>
       </p:grpSpPr>
-      <mc:AlternateContent xmlns:mc="http://schemas.openxmlformats.org/markup-compatibility/2006" xmlns:a14="http://schemas.microsoft.com/office/drawing/2010/main">
-        <mc:Choice Requires="a14">
+      <mc:AlternateContent xmlns:mc="http://schemas.openxmlformats.org/markup-compatibility/2006">
+        <mc:Choice xmlns:a14="http://schemas.microsoft.com/office/drawing/2010/main" Requires="a14">
           <p:sp>
             <p:nvSpPr>
               <p:cNvPr id="5" name="Marcador de contenido 4">
@@ -11422,7 +12597,13 @@
                       <a:rPr lang="es-ES" b="0" i="1" smtClean="0">
                         <a:latin typeface="Cambria Math" panose="02040503050406030204" pitchFamily="18" charset="0"/>
                       </a:rPr>
-                      <m:t>𝑑𝑖𝑚𝑒𝑠𝑖𝑜𝑛𝑒𝑠</m:t>
+                      <m:t>𝑑𝑖𝑚𝑒𝑛𝑠</m:t>
+                    </m:r>
+                    <m:r>
+                      <a:rPr lang="es-ES" b="0" i="1" smtClean="0">
+                        <a:latin typeface="Cambria Math" panose="02040503050406030204" pitchFamily="18" charset="0"/>
+                      </a:rPr>
+                      <m:t>𝑖𝑜𝑛𝑠</m:t>
                     </m:r>
                     <m:r>
                       <a:rPr lang="es-ES" b="0" i="1" smtClean="0">
@@ -12022,7 +13203,7 @@
             </p:txBody>
           </p:sp>
         </mc:Choice>
-        <mc:Fallback xmlns="">
+        <mc:Fallback>
           <p:sp>
             <p:nvSpPr>
               <p:cNvPr id="5" name="Marcador de contenido 4">
@@ -12159,10 +13340,10 @@
       </p:sp>
       <p:sp>
         <p:nvSpPr>
-          <p:cNvPr id="8" name="Marcador de número de diapositiva 8">
+          <p:cNvPr id="6" name="Marcador de número de diapositiva 8">
             <a:extLst>
               <a:ext uri="{FF2B5EF4-FFF2-40B4-BE49-F238E27FC236}">
-                <a16:creationId xmlns:a16="http://schemas.microsoft.com/office/drawing/2014/main" id="{4294E73A-FBC9-44CB-8D34-255533F8750C}"/>
+                <a16:creationId xmlns:a16="http://schemas.microsoft.com/office/drawing/2014/main" id="{B4111E2E-AE86-40C0-9BBC-7DF29C290118}"/>
               </a:ext>
             </a:extLst>
           </p:cNvPr>
@@ -12283,11 +13464,11 @@
             <a:fld id="{034A2469-CE07-4E21-88F9-8436BB41227F}" type="slidenum">
               <a:rPr lang="es-ES" sz="1800" smtClean="0"/>
               <a:pPr/>
-              <a:t>7</a:t>
+              <a:t>8</a:t>
             </a:fld>
             <a:r>
               <a:rPr lang="es-ES" sz="1800" dirty="0"/>
-              <a:t>/16</a:t>
+              <a:t>/17</a:t>
             </a:r>
             <a:endParaRPr lang="es-ES" dirty="0"/>
           </a:p>
@@ -12306,7 +13487,7 @@
 </p:sld>
 </file>
 
-<file path=ppt/slides/slide8.xml><?xml version="1.0" encoding="utf-8"?>
+<file path=ppt/slides/slide9.xml><?xml version="1.0" encoding="utf-8"?>
 <p:sld xmlns:a="http://schemas.openxmlformats.org/drawingml/2006/main" xmlns:r="http://schemas.openxmlformats.org/officeDocument/2006/relationships" xmlns:p="http://schemas.openxmlformats.org/presentationml/2006/main">
   <p:cSld>
     <p:spTree>
@@ -14828,8 +16009,8 @@
           </a:graphicData>
         </a:graphic>
       </p:graphicFrame>
-      <mc:AlternateContent xmlns:mc="http://schemas.openxmlformats.org/markup-compatibility/2006">
-        <mc:Choice xmlns:a14="http://schemas.microsoft.com/office/drawing/2010/main" Requires="a14">
+      <mc:AlternateContent xmlns:mc="http://schemas.openxmlformats.org/markup-compatibility/2006" xmlns:a14="http://schemas.microsoft.com/office/drawing/2010/main">
+        <mc:Choice Requires="a14">
           <p:sp>
             <p:nvSpPr>
               <p:cNvPr id="20" name="CuadroTexto 2">
@@ -15011,7 +16192,7 @@
             </p:txBody>
           </p:sp>
         </mc:Choice>
-        <mc:Fallback>
+        <mc:Fallback xmlns="">
           <p:sp>
             <p:nvSpPr>
               <p:cNvPr id="20" name="CuadroTexto 2">
@@ -15056,8 +16237,8 @@
           </p:sp>
         </mc:Fallback>
       </mc:AlternateContent>
-      <mc:AlternateContent xmlns:mc="http://schemas.openxmlformats.org/markup-compatibility/2006">
-        <mc:Choice xmlns:a14="http://schemas.microsoft.com/office/drawing/2010/main" Requires="a14">
+      <mc:AlternateContent xmlns:mc="http://schemas.openxmlformats.org/markup-compatibility/2006" xmlns:a14="http://schemas.microsoft.com/office/drawing/2010/main">
+        <mc:Choice Requires="a14">
           <p:sp>
             <p:nvSpPr>
               <p:cNvPr id="21" name="CuadroTexto 3">
@@ -15239,7 +16420,7 @@
             </p:txBody>
           </p:sp>
         </mc:Choice>
-        <mc:Fallback>
+        <mc:Fallback xmlns="">
           <p:sp>
             <p:nvSpPr>
               <p:cNvPr id="21" name="CuadroTexto 3">
@@ -15284,8 +16465,8 @@
           </p:sp>
         </mc:Fallback>
       </mc:AlternateContent>
-      <mc:AlternateContent xmlns:mc="http://schemas.openxmlformats.org/markup-compatibility/2006">
-        <mc:Choice xmlns:a14="http://schemas.microsoft.com/office/drawing/2010/main" Requires="a14">
+      <mc:AlternateContent xmlns:mc="http://schemas.openxmlformats.org/markup-compatibility/2006" xmlns:a14="http://schemas.microsoft.com/office/drawing/2010/main">
+        <mc:Choice Requires="a14">
           <p:sp>
             <p:nvSpPr>
               <p:cNvPr id="22" name="CuadroTexto 4">
@@ -15467,7 +16648,7 @@
             </p:txBody>
           </p:sp>
         </mc:Choice>
-        <mc:Fallback>
+        <mc:Fallback xmlns="">
           <p:sp>
             <p:nvSpPr>
               <p:cNvPr id="22" name="CuadroTexto 4">
@@ -15512,8 +16693,8 @@
           </p:sp>
         </mc:Fallback>
       </mc:AlternateContent>
-      <mc:AlternateContent xmlns:mc="http://schemas.openxmlformats.org/markup-compatibility/2006">
-        <mc:Choice xmlns:a14="http://schemas.microsoft.com/office/drawing/2010/main" Requires="a14">
+      <mc:AlternateContent xmlns:mc="http://schemas.openxmlformats.org/markup-compatibility/2006" xmlns:a14="http://schemas.microsoft.com/office/drawing/2010/main">
+        <mc:Choice Requires="a14">
           <p:sp>
             <p:nvSpPr>
               <p:cNvPr id="23" name="CuadroTexto 5">
@@ -15695,7 +16876,7 @@
             </p:txBody>
           </p:sp>
         </mc:Choice>
-        <mc:Fallback>
+        <mc:Fallback xmlns="">
           <p:sp>
             <p:nvSpPr>
               <p:cNvPr id="23" name="CuadroTexto 5">
@@ -15740,8 +16921,8 @@
           </p:sp>
         </mc:Fallback>
       </mc:AlternateContent>
-      <mc:AlternateContent xmlns:mc="http://schemas.openxmlformats.org/markup-compatibility/2006">
-        <mc:Choice xmlns:a14="http://schemas.microsoft.com/office/drawing/2010/main" Requires="a14">
+      <mc:AlternateContent xmlns:mc="http://schemas.openxmlformats.org/markup-compatibility/2006" xmlns:a14="http://schemas.microsoft.com/office/drawing/2010/main">
+        <mc:Choice Requires="a14">
           <p:sp>
             <p:nvSpPr>
               <p:cNvPr id="32" name="CuadroTexto 2">
@@ -15915,7 +17096,7 @@
             </p:txBody>
           </p:sp>
         </mc:Choice>
-        <mc:Fallback>
+        <mc:Fallback xmlns="">
           <p:sp>
             <p:nvSpPr>
               <p:cNvPr id="32" name="CuadroTexto 2">
@@ -15960,8 +17141,8 @@
           </p:sp>
         </mc:Fallback>
       </mc:AlternateContent>
-      <mc:AlternateContent xmlns:mc="http://schemas.openxmlformats.org/markup-compatibility/2006">
-        <mc:Choice xmlns:a14="http://schemas.microsoft.com/office/drawing/2010/main" Requires="a14">
+      <mc:AlternateContent xmlns:mc="http://schemas.openxmlformats.org/markup-compatibility/2006" xmlns:a14="http://schemas.microsoft.com/office/drawing/2010/main">
+        <mc:Choice Requires="a14">
           <p:sp>
             <p:nvSpPr>
               <p:cNvPr id="34" name="CuadroTexto 33">
@@ -16024,7 +17205,7 @@
             </p:txBody>
           </p:sp>
         </mc:Choice>
-        <mc:Fallback>
+        <mc:Fallback xmlns="">
           <p:sp>
             <p:nvSpPr>
               <p:cNvPr id="34" name="CuadroTexto 33">
@@ -16069,8 +17250,8 @@
           </p:sp>
         </mc:Fallback>
       </mc:AlternateContent>
-      <mc:AlternateContent xmlns:mc="http://schemas.openxmlformats.org/markup-compatibility/2006">
-        <mc:Choice xmlns:a14="http://schemas.microsoft.com/office/drawing/2010/main" Requires="a14">
+      <mc:AlternateContent xmlns:mc="http://schemas.openxmlformats.org/markup-compatibility/2006" xmlns:a14="http://schemas.microsoft.com/office/drawing/2010/main">
+        <mc:Choice Requires="a14">
           <p:sp>
             <p:nvSpPr>
               <p:cNvPr id="36" name="CuadroTexto 35">
@@ -16423,7 +17604,7 @@
             </p:txBody>
           </p:sp>
         </mc:Choice>
-        <mc:Fallback>
+        <mc:Fallback xmlns="">
           <p:sp>
             <p:nvSpPr>
               <p:cNvPr id="36" name="CuadroTexto 35">
@@ -17533,8 +18714,8 @@
           </a:graphicData>
         </a:graphic>
       </p:graphicFrame>
-      <mc:AlternateContent xmlns:mc="http://schemas.openxmlformats.org/markup-compatibility/2006">
-        <mc:Choice xmlns:a14="http://schemas.microsoft.com/office/drawing/2010/main" Requires="a14">
+      <mc:AlternateContent xmlns:mc="http://schemas.openxmlformats.org/markup-compatibility/2006" xmlns:a14="http://schemas.microsoft.com/office/drawing/2010/main">
+        <mc:Choice Requires="a14">
           <p:sp>
             <p:nvSpPr>
               <p:cNvPr id="51" name="CuadroTexto 50">
@@ -17603,7 +18784,7 @@
             </p:txBody>
           </p:sp>
         </mc:Choice>
-        <mc:Fallback>
+        <mc:Fallback xmlns="">
           <p:sp>
             <p:nvSpPr>
               <p:cNvPr id="51" name="CuadroTexto 50">
@@ -18713,8 +19894,8 @@
           </a:graphicData>
         </a:graphic>
       </p:graphicFrame>
-      <mc:AlternateContent xmlns:mc="http://schemas.openxmlformats.org/markup-compatibility/2006">
-        <mc:Choice xmlns:a14="http://schemas.microsoft.com/office/drawing/2010/main" Requires="a14">
+      <mc:AlternateContent xmlns:mc="http://schemas.openxmlformats.org/markup-compatibility/2006" xmlns:a14="http://schemas.microsoft.com/office/drawing/2010/main">
+        <mc:Choice Requires="a14">
           <p:sp>
             <p:nvSpPr>
               <p:cNvPr id="53" name="CuadroTexto 52">
@@ -18783,7 +19964,7 @@
             </p:txBody>
           </p:sp>
         </mc:Choice>
-        <mc:Fallback>
+        <mc:Fallback xmlns="">
           <p:sp>
             <p:nvSpPr>
               <p:cNvPr id="53" name="CuadroTexto 52">
@@ -19893,8 +21074,8 @@
           </a:graphicData>
         </a:graphic>
       </p:graphicFrame>
-      <mc:AlternateContent xmlns:mc="http://schemas.openxmlformats.org/markup-compatibility/2006">
-        <mc:Choice xmlns:a14="http://schemas.microsoft.com/office/drawing/2010/main" Requires="a14">
+      <mc:AlternateContent xmlns:mc="http://schemas.openxmlformats.org/markup-compatibility/2006" xmlns:a14="http://schemas.microsoft.com/office/drawing/2010/main">
+        <mc:Choice Requires="a14">
           <p:sp>
             <p:nvSpPr>
               <p:cNvPr id="55" name="CuadroTexto 54">
@@ -19963,7 +21144,7 @@
             </p:txBody>
           </p:sp>
         </mc:Choice>
-        <mc:Fallback>
+        <mc:Fallback xmlns="">
           <p:sp>
             <p:nvSpPr>
               <p:cNvPr id="55" name="CuadroTexto 54">
@@ -21013,8 +22194,8 @@
           </a:p>
         </p:txBody>
       </p:sp>
-      <mc:AlternateContent xmlns:mc="http://schemas.openxmlformats.org/markup-compatibility/2006">
-        <mc:Choice xmlns:a14="http://schemas.microsoft.com/office/drawing/2010/main" Requires="a14">
+      <mc:AlternateContent xmlns:mc="http://schemas.openxmlformats.org/markup-compatibility/2006" xmlns:a14="http://schemas.microsoft.com/office/drawing/2010/main">
+        <mc:Choice Requires="a14">
           <p:sp>
             <p:nvSpPr>
               <p:cNvPr id="59" name="CuadroTexto 2">
@@ -21188,7 +22369,7 @@
             </p:txBody>
           </p:sp>
         </mc:Choice>
-        <mc:Fallback>
+        <mc:Fallback xmlns="">
           <p:sp>
             <p:nvSpPr>
               <p:cNvPr id="59" name="CuadroTexto 2">
@@ -21233,8 +22414,8 @@
           </p:sp>
         </mc:Fallback>
       </mc:AlternateContent>
-      <mc:AlternateContent xmlns:mc="http://schemas.openxmlformats.org/markup-compatibility/2006">
-        <mc:Choice xmlns:a14="http://schemas.microsoft.com/office/drawing/2010/main" Requires="a14">
+      <mc:AlternateContent xmlns:mc="http://schemas.openxmlformats.org/markup-compatibility/2006" xmlns:a14="http://schemas.microsoft.com/office/drawing/2010/main">
+        <mc:Choice Requires="a14">
           <p:sp>
             <p:nvSpPr>
               <p:cNvPr id="60" name="CuadroTexto 2">
@@ -21408,7 +22589,7 @@
             </p:txBody>
           </p:sp>
         </mc:Choice>
-        <mc:Fallback>
+        <mc:Fallback xmlns="">
           <p:sp>
             <p:nvSpPr>
               <p:cNvPr id="60" name="CuadroTexto 2">
@@ -21453,8 +22634,8 @@
           </p:sp>
         </mc:Fallback>
       </mc:AlternateContent>
-      <mc:AlternateContent xmlns:mc="http://schemas.openxmlformats.org/markup-compatibility/2006">
-        <mc:Choice xmlns:a14="http://schemas.microsoft.com/office/drawing/2010/main" Requires="a14">
+      <mc:AlternateContent xmlns:mc="http://schemas.openxmlformats.org/markup-compatibility/2006" xmlns:a14="http://schemas.microsoft.com/office/drawing/2010/main">
+        <mc:Choice Requires="a14">
           <p:sp>
             <p:nvSpPr>
               <p:cNvPr id="61" name="CuadroTexto 2">
@@ -21628,7 +22809,7 @@
             </p:txBody>
           </p:sp>
         </mc:Choice>
-        <mc:Fallback>
+        <mc:Fallback xmlns="">
           <p:sp>
             <p:nvSpPr>
               <p:cNvPr id="61" name="CuadroTexto 2">
@@ -22738,8 +23919,8 @@
           </a:graphicData>
         </a:graphic>
       </p:graphicFrame>
-      <mc:AlternateContent xmlns:mc="http://schemas.openxmlformats.org/markup-compatibility/2006">
-        <mc:Choice xmlns:a14="http://schemas.microsoft.com/office/drawing/2010/main" Requires="a14">
+      <mc:AlternateContent xmlns:mc="http://schemas.openxmlformats.org/markup-compatibility/2006" xmlns:a14="http://schemas.microsoft.com/office/drawing/2010/main">
+        <mc:Choice Requires="a14">
           <p:sp>
             <p:nvSpPr>
               <p:cNvPr id="63" name="CuadroTexto 62">
@@ -22808,7 +23989,7 @@
             </p:txBody>
           </p:sp>
         </mc:Choice>
-        <mc:Fallback>
+        <mc:Fallback xmlns="">
           <p:sp>
             <p:nvSpPr>
               <p:cNvPr id="63" name="CuadroTexto 62">
@@ -23029,8 +24210,8 @@
           </a:p>
         </p:txBody>
       </p:sp>
-      <mc:AlternateContent xmlns:mc="http://schemas.openxmlformats.org/markup-compatibility/2006">
-        <mc:Choice xmlns:a14="http://schemas.microsoft.com/office/drawing/2010/main" Requires="a14">
+      <mc:AlternateContent xmlns:mc="http://schemas.openxmlformats.org/markup-compatibility/2006" xmlns:a14="http://schemas.microsoft.com/office/drawing/2010/main">
+        <mc:Choice Requires="a14">
           <p:sp>
             <p:nvSpPr>
               <p:cNvPr id="71" name="CuadroTexto 70">
@@ -23086,7 +24267,7 @@
             </p:txBody>
           </p:sp>
         </mc:Choice>
-        <mc:Fallback>
+        <mc:Fallback xmlns="">
           <p:sp>
             <p:nvSpPr>
               <p:cNvPr id="71" name="CuadroTexto 70">
@@ -25235,8 +26416,8 @@
           </a:graphicData>
         </a:graphic>
       </p:graphicFrame>
-      <mc:AlternateContent xmlns:mc="http://schemas.openxmlformats.org/markup-compatibility/2006">
-        <mc:Choice xmlns:a14="http://schemas.microsoft.com/office/drawing/2010/main" Requires="a14">
+      <mc:AlternateContent xmlns:mc="http://schemas.openxmlformats.org/markup-compatibility/2006" xmlns:a14="http://schemas.microsoft.com/office/drawing/2010/main">
+        <mc:Choice Requires="a14">
           <p:sp>
             <p:nvSpPr>
               <p:cNvPr id="76" name="CuadroTexto 2">
@@ -25418,7 +26599,7 @@
             </p:txBody>
           </p:sp>
         </mc:Choice>
-        <mc:Fallback>
+        <mc:Fallback xmlns="">
           <p:sp>
             <p:nvSpPr>
               <p:cNvPr id="76" name="CuadroTexto 2">
@@ -25463,8 +26644,8 @@
           </p:sp>
         </mc:Fallback>
       </mc:AlternateContent>
-      <mc:AlternateContent xmlns:mc="http://schemas.openxmlformats.org/markup-compatibility/2006">
-        <mc:Choice xmlns:a14="http://schemas.microsoft.com/office/drawing/2010/main" Requires="a14">
+      <mc:AlternateContent xmlns:mc="http://schemas.openxmlformats.org/markup-compatibility/2006" xmlns:a14="http://schemas.microsoft.com/office/drawing/2010/main">
+        <mc:Choice Requires="a14">
           <p:sp>
             <p:nvSpPr>
               <p:cNvPr id="77" name="CuadroTexto 3">
@@ -25646,7 +26827,7 @@
             </p:txBody>
           </p:sp>
         </mc:Choice>
-        <mc:Fallback>
+        <mc:Fallback xmlns="">
           <p:sp>
             <p:nvSpPr>
               <p:cNvPr id="77" name="CuadroTexto 3">
@@ -25691,8 +26872,8 @@
           </p:sp>
         </mc:Fallback>
       </mc:AlternateContent>
-      <mc:AlternateContent xmlns:mc="http://schemas.openxmlformats.org/markup-compatibility/2006">
-        <mc:Choice xmlns:a14="http://schemas.microsoft.com/office/drawing/2010/main" Requires="a14">
+      <mc:AlternateContent xmlns:mc="http://schemas.openxmlformats.org/markup-compatibility/2006" xmlns:a14="http://schemas.microsoft.com/office/drawing/2010/main">
+        <mc:Choice Requires="a14">
           <p:sp>
             <p:nvSpPr>
               <p:cNvPr id="78" name="CuadroTexto 4">
@@ -25874,7 +27055,7 @@
             </p:txBody>
           </p:sp>
         </mc:Choice>
-        <mc:Fallback>
+        <mc:Fallback xmlns="">
           <p:sp>
             <p:nvSpPr>
               <p:cNvPr id="78" name="CuadroTexto 4">
@@ -25919,8 +27100,8 @@
           </p:sp>
         </mc:Fallback>
       </mc:AlternateContent>
-      <mc:AlternateContent xmlns:mc="http://schemas.openxmlformats.org/markup-compatibility/2006">
-        <mc:Choice xmlns:a14="http://schemas.microsoft.com/office/drawing/2010/main" Requires="a14">
+      <mc:AlternateContent xmlns:mc="http://schemas.openxmlformats.org/markup-compatibility/2006" xmlns:a14="http://schemas.microsoft.com/office/drawing/2010/main">
+        <mc:Choice Requires="a14">
           <p:sp>
             <p:nvSpPr>
               <p:cNvPr id="79" name="CuadroTexto 5">
@@ -26102,7 +27283,7 @@
             </p:txBody>
           </p:sp>
         </mc:Choice>
-        <mc:Fallback>
+        <mc:Fallback xmlns="">
           <p:sp>
             <p:nvSpPr>
               <p:cNvPr id="79" name="CuadroTexto 5">
@@ -26147,8 +27328,8 @@
           </p:sp>
         </mc:Fallback>
       </mc:AlternateContent>
-      <mc:AlternateContent xmlns:mc="http://schemas.openxmlformats.org/markup-compatibility/2006">
-        <mc:Choice xmlns:a14="http://schemas.microsoft.com/office/drawing/2010/main" Requires="a14">
+      <mc:AlternateContent xmlns:mc="http://schemas.openxmlformats.org/markup-compatibility/2006" xmlns:a14="http://schemas.microsoft.com/office/drawing/2010/main">
+        <mc:Choice Requires="a14">
           <p:sp>
             <p:nvSpPr>
               <p:cNvPr id="80" name="CuadroTexto 2">
@@ -26322,7 +27503,7 @@
             </p:txBody>
           </p:sp>
         </mc:Choice>
-        <mc:Fallback>
+        <mc:Fallback xmlns="">
           <p:sp>
             <p:nvSpPr>
               <p:cNvPr id="80" name="CuadroTexto 2">
@@ -26367,8 +27548,8 @@
           </p:sp>
         </mc:Fallback>
       </mc:AlternateContent>
-      <mc:AlternateContent xmlns:mc="http://schemas.openxmlformats.org/markup-compatibility/2006">
-        <mc:Choice xmlns:a14="http://schemas.microsoft.com/office/drawing/2010/main" Requires="a14">
+      <mc:AlternateContent xmlns:mc="http://schemas.openxmlformats.org/markup-compatibility/2006" xmlns:a14="http://schemas.microsoft.com/office/drawing/2010/main">
+        <mc:Choice Requires="a14">
           <p:sp>
             <p:nvSpPr>
               <p:cNvPr id="81" name="CuadroTexto 2">
@@ -26542,7 +27723,7 @@
             </p:txBody>
           </p:sp>
         </mc:Choice>
-        <mc:Fallback>
+        <mc:Fallback xmlns="">
           <p:sp>
             <p:nvSpPr>
               <p:cNvPr id="81" name="CuadroTexto 2">
@@ -26587,8 +27768,8 @@
           </p:sp>
         </mc:Fallback>
       </mc:AlternateContent>
-      <mc:AlternateContent xmlns:mc="http://schemas.openxmlformats.org/markup-compatibility/2006">
-        <mc:Choice xmlns:a14="http://schemas.microsoft.com/office/drawing/2010/main" Requires="a14">
+      <mc:AlternateContent xmlns:mc="http://schemas.openxmlformats.org/markup-compatibility/2006" xmlns:a14="http://schemas.microsoft.com/office/drawing/2010/main">
+        <mc:Choice Requires="a14">
           <p:sp>
             <p:nvSpPr>
               <p:cNvPr id="83" name="CuadroTexto 2">
@@ -26762,7 +27943,7 @@
             </p:txBody>
           </p:sp>
         </mc:Choice>
-        <mc:Fallback>
+        <mc:Fallback xmlns="">
           <p:sp>
             <p:nvSpPr>
               <p:cNvPr id="83" name="CuadroTexto 2">
@@ -26807,8 +27988,8 @@
           </p:sp>
         </mc:Fallback>
       </mc:AlternateContent>
-      <mc:AlternateContent xmlns:mc="http://schemas.openxmlformats.org/markup-compatibility/2006">
-        <mc:Choice xmlns:a14="http://schemas.microsoft.com/office/drawing/2010/main" Requires="a14">
+      <mc:AlternateContent xmlns:mc="http://schemas.openxmlformats.org/markup-compatibility/2006" xmlns:a14="http://schemas.microsoft.com/office/drawing/2010/main">
+        <mc:Choice Requires="a14">
           <p:sp>
             <p:nvSpPr>
               <p:cNvPr id="84" name="CuadroTexto 2">
@@ -26982,7 +28163,7 @@
             </p:txBody>
           </p:sp>
         </mc:Choice>
-        <mc:Fallback>
+        <mc:Fallback xmlns="">
           <p:sp>
             <p:nvSpPr>
               <p:cNvPr id="84" name="CuadroTexto 2">
@@ -27027,8 +28208,8 @@
           </p:sp>
         </mc:Fallback>
       </mc:AlternateContent>
-      <mc:AlternateContent xmlns:mc="http://schemas.openxmlformats.org/markup-compatibility/2006">
-        <mc:Choice xmlns:a14="http://schemas.microsoft.com/office/drawing/2010/main" Requires="a14">
+      <mc:AlternateContent xmlns:mc="http://schemas.openxmlformats.org/markup-compatibility/2006" xmlns:a14="http://schemas.microsoft.com/office/drawing/2010/main">
+        <mc:Choice Requires="a14">
           <p:sp>
             <p:nvSpPr>
               <p:cNvPr id="85" name="CuadroTexto 2">
@@ -27202,7 +28383,7 @@
             </p:txBody>
           </p:sp>
         </mc:Choice>
-        <mc:Fallback>
+        <mc:Fallback xmlns="">
           <p:sp>
             <p:nvSpPr>
               <p:cNvPr id="85" name="CuadroTexto 2">
@@ -27247,8 +28428,8 @@
           </p:sp>
         </mc:Fallback>
       </mc:AlternateContent>
-      <mc:AlternateContent xmlns:mc="http://schemas.openxmlformats.org/markup-compatibility/2006">
-        <mc:Choice xmlns:a14="http://schemas.microsoft.com/office/drawing/2010/main" Requires="a14">
+      <mc:AlternateContent xmlns:mc="http://schemas.openxmlformats.org/markup-compatibility/2006" xmlns:a14="http://schemas.microsoft.com/office/drawing/2010/main">
+        <mc:Choice Requires="a14">
           <p:sp>
             <p:nvSpPr>
               <p:cNvPr id="86" name="CuadroTexto 2">
@@ -27422,7 +28603,7 @@
             </p:txBody>
           </p:sp>
         </mc:Choice>
-        <mc:Fallback>
+        <mc:Fallback xmlns="">
           <p:sp>
             <p:nvSpPr>
               <p:cNvPr id="86" name="CuadroTexto 2">
@@ -27467,8 +28648,8 @@
           </p:sp>
         </mc:Fallback>
       </mc:AlternateContent>
-      <mc:AlternateContent xmlns:mc="http://schemas.openxmlformats.org/markup-compatibility/2006">
-        <mc:Choice xmlns:a14="http://schemas.microsoft.com/office/drawing/2010/main" Requires="a14">
+      <mc:AlternateContent xmlns:mc="http://schemas.openxmlformats.org/markup-compatibility/2006" xmlns:a14="http://schemas.microsoft.com/office/drawing/2010/main">
+        <mc:Choice Requires="a14">
           <p:sp>
             <p:nvSpPr>
               <p:cNvPr id="87" name="CuadroTexto 2">
@@ -27642,7 +28823,7 @@
             </p:txBody>
           </p:sp>
         </mc:Choice>
-        <mc:Fallback>
+        <mc:Fallback xmlns="">
           <p:sp>
             <p:nvSpPr>
               <p:cNvPr id="87" name="CuadroTexto 2">
@@ -27687,8 +28868,8 @@
           </p:sp>
         </mc:Fallback>
       </mc:AlternateContent>
-      <mc:AlternateContent xmlns:mc="http://schemas.openxmlformats.org/markup-compatibility/2006">
-        <mc:Choice xmlns:a14="http://schemas.microsoft.com/office/drawing/2010/main" Requires="a14">
+      <mc:AlternateContent xmlns:mc="http://schemas.openxmlformats.org/markup-compatibility/2006" xmlns:a14="http://schemas.microsoft.com/office/drawing/2010/main">
+        <mc:Choice Requires="a14">
           <p:sp>
             <p:nvSpPr>
               <p:cNvPr id="88" name="CuadroTexto 2">
@@ -27862,7 +29043,7 @@
             </p:txBody>
           </p:sp>
         </mc:Choice>
-        <mc:Fallback>
+        <mc:Fallback xmlns="">
           <p:sp>
             <p:nvSpPr>
               <p:cNvPr id="88" name="CuadroTexto 2">
@@ -27950,146 +29131,146 @@
           </a:p>
         </p:txBody>
       </p:sp>
-    </p:spTree>
-    <p:extLst>
-      <p:ext uri="{BB962C8B-B14F-4D97-AF65-F5344CB8AC3E}">
-        <p14:creationId xmlns:p14="http://schemas.microsoft.com/office/powerpoint/2010/main" val="172588195"/>
-      </p:ext>
-    </p:extLst>
-  </p:cSld>
-  <p:clrMapOvr>
-    <a:masterClrMapping/>
-  </p:clrMapOvr>
-</p:sld>
-</file>
-
-<file path=ppt/slides/slide9.xml><?xml version="1.0" encoding="utf-8"?>
-<p:sld xmlns:a="http://schemas.openxmlformats.org/drawingml/2006/main" xmlns:r="http://schemas.openxmlformats.org/officeDocument/2006/relationships" xmlns:p="http://schemas.openxmlformats.org/presentationml/2006/main">
-  <p:cSld>
-    <p:spTree>
-      <p:nvGrpSpPr>
-        <p:cNvPr id="1" name=""/>
-        <p:cNvGrpSpPr/>
-        <p:nvPr/>
-      </p:nvGrpSpPr>
-      <p:grpSpPr>
-        <a:xfrm>
-          <a:off x="0" y="0"/>
-          <a:ext cx="0" cy="0"/>
-          <a:chOff x="0" y="0"/>
-          <a:chExt cx="0" cy="0"/>
-        </a:xfrm>
-      </p:grpSpPr>
       <p:sp>
         <p:nvSpPr>
-          <p:cNvPr id="2" name="Título 1">
+          <p:cNvPr id="48" name="Marcador de número de diapositiva 8">
             <a:extLst>
               <a:ext uri="{FF2B5EF4-FFF2-40B4-BE49-F238E27FC236}">
-                <a16:creationId xmlns:a16="http://schemas.microsoft.com/office/drawing/2014/main" id="{EA518FEC-CFFC-4EA8-8C05-0E08F8B39945}"/>
+                <a16:creationId xmlns:a16="http://schemas.microsoft.com/office/drawing/2014/main" id="{3B9FE60B-25A6-4AF3-B00A-B038847E0551}"/>
               </a:ext>
             </a:extLst>
           </p:cNvPr>
-          <p:cNvSpPr>
-            <a:spLocks noGrp="1"/>
+          <p:cNvSpPr txBox="1">
+            <a:spLocks/>
           </p:cNvSpPr>
-          <p:nvPr>
-            <p:ph type="title"/>
-          </p:nvPr>
+          <p:nvPr/>
         </p:nvSpPr>
         <p:spPr>
           <a:xfrm>
-            <a:off x="838200" y="2766219"/>
-            <a:ext cx="10515600" cy="1325563"/>
-          </a:xfrm>
-        </p:spPr>
-        <p:txBody>
-          <a:bodyPr/>
-          <a:lstStyle/>
-          <a:p>
-            <a:pPr algn="ctr"/>
-            <a:r>
-              <a:rPr lang="es-ES"/>
-              <a:t>Contraste Birthday Spacings</a:t>
-            </a:r>
-          </a:p>
-        </p:txBody>
-      </p:sp>
-      <p:pic>
-        <p:nvPicPr>
-          <p:cNvPr id="3" name="图片 7">
-            <a:extLst>
-              <a:ext uri="{FF2B5EF4-FFF2-40B4-BE49-F238E27FC236}">
-                <a16:creationId xmlns:a16="http://schemas.microsoft.com/office/drawing/2014/main" id="{0B4C581F-000C-4CA0-82F9-832ED2083BA5}"/>
-              </a:ext>
-            </a:extLst>
-          </p:cNvPr>
-          <p:cNvPicPr>
-            <a:picLocks noChangeAspect="1"/>
-          </p:cNvPicPr>
-          <p:nvPr/>
-        </p:nvPicPr>
-        <p:blipFill>
-          <a:blip r:embed="rId2">
-            <a:extLst>
-              <a:ext uri="{28A0092B-C50C-407E-A947-70E740481C1C}">
-                <a14:useLocalDpi xmlns:a14="http://schemas.microsoft.com/office/drawing/2010/main" val="0"/>
-              </a:ext>
-            </a:extLst>
-          </a:blip>
-          <a:stretch>
-            <a:fillRect/>
-          </a:stretch>
-        </p:blipFill>
-        <p:spPr>
-          <a:xfrm>
-            <a:off x="188594" y="5488341"/>
-            <a:ext cx="2969765" cy="1378948"/>
+            <a:off x="9402148" y="6444474"/>
+            <a:ext cx="2743200" cy="365125"/>
           </a:xfrm>
           <a:prstGeom prst="rect">
             <a:avLst/>
           </a:prstGeom>
         </p:spPr>
-      </p:pic>
-      <p:pic>
-        <p:nvPicPr>
-          <p:cNvPr id="4" name="图片 10">
-            <a:extLst>
-              <a:ext uri="{FF2B5EF4-FFF2-40B4-BE49-F238E27FC236}">
-                <a16:creationId xmlns:a16="http://schemas.microsoft.com/office/drawing/2014/main" id="{642087F2-E43F-42AF-A0B8-65F7A92E7E8A}"/>
-              </a:ext>
-            </a:extLst>
-          </p:cNvPr>
-          <p:cNvPicPr>
-            <a:picLocks noChangeAspect="1"/>
-          </p:cNvPicPr>
-          <p:nvPr/>
-        </p:nvPicPr>
-        <p:blipFill>
-          <a:blip r:embed="rId3">
-            <a:extLst>
-              <a:ext uri="{28A0092B-C50C-407E-A947-70E740481C1C}">
-                <a14:useLocalDpi xmlns:a14="http://schemas.microsoft.com/office/drawing/2010/main" val="0"/>
-              </a:ext>
-            </a:extLst>
-          </a:blip>
-          <a:stretch>
-            <a:fillRect/>
-          </a:stretch>
-        </p:blipFill>
-        <p:spPr>
-          <a:xfrm>
-            <a:off x="9657275" y="5488340"/>
-            <a:ext cx="2231136" cy="1229703"/>
-          </a:xfrm>
-          <a:prstGeom prst="rect">
-            <a:avLst/>
-          </a:prstGeom>
-        </p:spPr>
-      </p:pic>
+        <p:txBody>
+          <a:bodyPr vert="horz" lIns="91440" tIns="45720" rIns="91440" bIns="45720" rtlCol="0" anchor="ctr"/>
+          <a:lstStyle>
+            <a:defPPr>
+              <a:defRPr lang="es-ES"/>
+            </a:defPPr>
+            <a:lvl1pPr marL="0" algn="r" defTabSz="914400" rtl="0" eaLnBrk="1" latinLnBrk="0" hangingPunct="1">
+              <a:defRPr sz="1200" kern="1200">
+                <a:solidFill>
+                  <a:schemeClr val="tx1">
+                    <a:tint val="75000"/>
+                  </a:schemeClr>
+                </a:solidFill>
+                <a:latin typeface="+mn-lt"/>
+                <a:ea typeface="+mn-ea"/>
+                <a:cs typeface="+mn-cs"/>
+              </a:defRPr>
+            </a:lvl1pPr>
+            <a:lvl2pPr marL="457200" algn="l" defTabSz="914400" rtl="0" eaLnBrk="1" latinLnBrk="0" hangingPunct="1">
+              <a:defRPr sz="1800" kern="1200">
+                <a:solidFill>
+                  <a:schemeClr val="tx1"/>
+                </a:solidFill>
+                <a:latin typeface="+mn-lt"/>
+                <a:ea typeface="+mn-ea"/>
+                <a:cs typeface="+mn-cs"/>
+              </a:defRPr>
+            </a:lvl2pPr>
+            <a:lvl3pPr marL="914400" algn="l" defTabSz="914400" rtl="0" eaLnBrk="1" latinLnBrk="0" hangingPunct="1">
+              <a:defRPr sz="1800" kern="1200">
+                <a:solidFill>
+                  <a:schemeClr val="tx1"/>
+                </a:solidFill>
+                <a:latin typeface="+mn-lt"/>
+                <a:ea typeface="+mn-ea"/>
+                <a:cs typeface="+mn-cs"/>
+              </a:defRPr>
+            </a:lvl3pPr>
+            <a:lvl4pPr marL="1371600" algn="l" defTabSz="914400" rtl="0" eaLnBrk="1" latinLnBrk="0" hangingPunct="1">
+              <a:defRPr sz="1800" kern="1200">
+                <a:solidFill>
+                  <a:schemeClr val="tx1"/>
+                </a:solidFill>
+                <a:latin typeface="+mn-lt"/>
+                <a:ea typeface="+mn-ea"/>
+                <a:cs typeface="+mn-cs"/>
+              </a:defRPr>
+            </a:lvl4pPr>
+            <a:lvl5pPr marL="1828800" algn="l" defTabSz="914400" rtl="0" eaLnBrk="1" latinLnBrk="0" hangingPunct="1">
+              <a:defRPr sz="1800" kern="1200">
+                <a:solidFill>
+                  <a:schemeClr val="tx1"/>
+                </a:solidFill>
+                <a:latin typeface="+mn-lt"/>
+                <a:ea typeface="+mn-ea"/>
+                <a:cs typeface="+mn-cs"/>
+              </a:defRPr>
+            </a:lvl5pPr>
+            <a:lvl6pPr marL="2286000" algn="l" defTabSz="914400" rtl="0" eaLnBrk="1" latinLnBrk="0" hangingPunct="1">
+              <a:defRPr sz="1800" kern="1200">
+                <a:solidFill>
+                  <a:schemeClr val="tx1"/>
+                </a:solidFill>
+                <a:latin typeface="+mn-lt"/>
+                <a:ea typeface="+mn-ea"/>
+                <a:cs typeface="+mn-cs"/>
+              </a:defRPr>
+            </a:lvl6pPr>
+            <a:lvl7pPr marL="2743200" algn="l" defTabSz="914400" rtl="0" eaLnBrk="1" latinLnBrk="0" hangingPunct="1">
+              <a:defRPr sz="1800" kern="1200">
+                <a:solidFill>
+                  <a:schemeClr val="tx1"/>
+                </a:solidFill>
+                <a:latin typeface="+mn-lt"/>
+                <a:ea typeface="+mn-ea"/>
+                <a:cs typeface="+mn-cs"/>
+              </a:defRPr>
+            </a:lvl7pPr>
+            <a:lvl8pPr marL="3200400" algn="l" defTabSz="914400" rtl="0" eaLnBrk="1" latinLnBrk="0" hangingPunct="1">
+              <a:defRPr sz="1800" kern="1200">
+                <a:solidFill>
+                  <a:schemeClr val="tx1"/>
+                </a:solidFill>
+                <a:latin typeface="+mn-lt"/>
+                <a:ea typeface="+mn-ea"/>
+                <a:cs typeface="+mn-cs"/>
+              </a:defRPr>
+            </a:lvl8pPr>
+            <a:lvl9pPr marL="3657600" algn="l" defTabSz="914400" rtl="0" eaLnBrk="1" latinLnBrk="0" hangingPunct="1">
+              <a:defRPr sz="1800" kern="1200">
+                <a:solidFill>
+                  <a:schemeClr val="tx1"/>
+                </a:solidFill>
+                <a:latin typeface="+mn-lt"/>
+                <a:ea typeface="+mn-ea"/>
+                <a:cs typeface="+mn-cs"/>
+              </a:defRPr>
+            </a:lvl9pPr>
+          </a:lstStyle>
+          <a:p>
+            <a:fld id="{034A2469-CE07-4E21-88F9-8436BB41227F}" type="slidenum">
+              <a:rPr lang="es-ES" sz="1800" smtClean="0"/>
+              <a:pPr/>
+              <a:t>9</a:t>
+            </a:fld>
+            <a:r>
+              <a:rPr lang="es-ES" sz="1800" dirty="0"/>
+              <a:t>/17</a:t>
+            </a:r>
+            <a:endParaRPr lang="es-ES" dirty="0"/>
+          </a:p>
+        </p:txBody>
+      </p:sp>
     </p:spTree>
     <p:extLst>
       <p:ext uri="{BB962C8B-B14F-4D97-AF65-F5344CB8AC3E}">
-        <p14:creationId xmlns:p14="http://schemas.microsoft.com/office/powerpoint/2010/main" val="668331109"/>
+        <p14:creationId xmlns:p14="http://schemas.microsoft.com/office/powerpoint/2010/main" val="172588195"/>
       </p:ext>
     </p:extLst>
   </p:cSld>
